--- a/Grav Wave/Gravitational Waves.pptx
+++ b/Grav Wave/Gravitational Waves.pptx
@@ -15,10 +15,6 @@
     <p:sldId id="260" r:id="rId10"/>
     <p:sldId id="261" r:id="rId11"/>
     <p:sldId id="262" r:id="rId12"/>
-    <p:sldId id="263" r:id="rId13"/>
-    <p:sldId id="264" r:id="rId14"/>
-    <p:sldId id="265" r:id="rId15"/>
-    <p:sldId id="266" r:id="rId16"/>
   </p:sldIdLst>
   <p:sldSz cy="5143500" cx="9144000"/>
   <p:notesSz cx="6858000" cy="9144000"/>
@@ -795,204 +791,6 @@
 </p:notes>
 </file>
 
-<file path=ppt/notesSlides/notesSlide10.xml><?xml version="1.0" encoding="utf-8"?>
-<p:notes xmlns:a="http://schemas.openxmlformats.org/drawingml/2006/main" xmlns:r="http://schemas.openxmlformats.org/officeDocument/2006/relationships" xmlns:mc="http://schemas.openxmlformats.org/markup-compatibility/2006" xmlns:mv="urn:schemas-microsoft-com:mac:vml" xmlns:p="http://schemas.openxmlformats.org/presentationml/2006/main" xmlns:c="http://schemas.openxmlformats.org/drawingml/2006/chart" xmlns:dgm="http://schemas.openxmlformats.org/drawingml/2006/diagram" xmlns:o="urn:schemas-microsoft-com:office:office" xmlns:v="urn:schemas-microsoft-com:vml" xmlns:pvml="urn:schemas-microsoft-com:office:powerpoint" xmlns:com="http://schemas.openxmlformats.org/drawingml/2006/compatibility" xmlns:p14="http://schemas.microsoft.com/office/powerpoint/2010/main" xmlns:p15="http://schemas.microsoft.com/office/powerpoint/2012/main" xmlns:ahyp="http://schemas.microsoft.com/office/drawing/2018/hyperlinkcolor" showMasterPhAnim="0" showMasterSp="0">
-  <p:cSld>
-    <p:spTree>
-      <p:nvGrpSpPr>
-        <p:cNvPr id="112" name="Shape 112"/>
-        <p:cNvGrpSpPr/>
-        <p:nvPr/>
-      </p:nvGrpSpPr>
-      <p:grpSpPr>
-        <a:xfrm>
-          <a:off x="0" y="0"/>
-          <a:ext cx="0" cy="0"/>
-          <a:chOff x="0" y="0"/>
-          <a:chExt cx="0" cy="0"/>
-        </a:xfrm>
-      </p:grpSpPr>
-      <p:sp>
-        <p:nvSpPr>
-          <p:cNvPr id="113" name="Google Shape;113;g311235bb2c4_0_80:notes"/>
-          <p:cNvSpPr/>
-          <p:nvPr>
-            <p:ph idx="2" type="sldImg"/>
-          </p:nvPr>
-        </p:nvSpPr>
-        <p:spPr>
-          <a:xfrm>
-            <a:off x="381300" y="685800"/>
-            <a:ext cx="6096000" cy="3429000"/>
-          </a:xfrm>
-          <a:custGeom>
-            <a:rect b="b" l="l" r="r" t="t"/>
-            <a:pathLst>
-              <a:path extrusionOk="0" h="120000" w="120000">
-                <a:moveTo>
-                  <a:pt x="0" y="0"/>
-                </a:moveTo>
-                <a:lnTo>
-                  <a:pt x="120000" y="0"/>
-                </a:lnTo>
-                <a:lnTo>
-                  <a:pt x="120000" y="120000"/>
-                </a:lnTo>
-                <a:lnTo>
-                  <a:pt x="0" y="120000"/>
-                </a:lnTo>
-                <a:close/>
-              </a:path>
-            </a:pathLst>
-          </a:custGeom>
-        </p:spPr>
-      </p:sp>
-      <p:sp>
-        <p:nvSpPr>
-          <p:cNvPr id="114" name="Google Shape;114;g311235bb2c4_0_80:notes"/>
-          <p:cNvSpPr txBox="1"/>
-          <p:nvPr>
-            <p:ph idx="1" type="body"/>
-          </p:nvPr>
-        </p:nvSpPr>
-        <p:spPr>
-          <a:xfrm>
-            <a:off x="685800" y="4343400"/>
-            <a:ext cx="5486400" cy="4114800"/>
-          </a:xfrm>
-          <a:prstGeom prst="rect">
-            <a:avLst/>
-          </a:prstGeom>
-        </p:spPr>
-        <p:txBody>
-          <a:bodyPr anchorCtr="0" anchor="t" bIns="91425" lIns="91425" spcFirstLastPara="1" rIns="91425" wrap="square" tIns="91425">
-            <a:noAutofit/>
-          </a:bodyPr>
-          <a:lstStyle/>
-          <a:p>
-            <a:pPr indent="0" lvl="0" marL="0" rtl="0" algn="l">
-              <a:spcBef>
-                <a:spcPts val="0"/>
-              </a:spcBef>
-              <a:spcAft>
-                <a:spcPts val="0"/>
-              </a:spcAft>
-              <a:buNone/>
-            </a:pPr>
-            <a:r>
-              <a:t/>
-            </a:r>
-            <a:endParaRPr/>
-          </a:p>
-        </p:txBody>
-      </p:sp>
-    </p:spTree>
-  </p:cSld>
-  <p:clrMapOvr>
-    <a:masterClrMapping/>
-  </p:clrMapOvr>
-</p:notes>
-</file>
-
-<file path=ppt/notesSlides/notesSlide11.xml><?xml version="1.0" encoding="utf-8"?>
-<p:notes xmlns:a="http://schemas.openxmlformats.org/drawingml/2006/main" xmlns:r="http://schemas.openxmlformats.org/officeDocument/2006/relationships" xmlns:mc="http://schemas.openxmlformats.org/markup-compatibility/2006" xmlns:mv="urn:schemas-microsoft-com:mac:vml" xmlns:p="http://schemas.openxmlformats.org/presentationml/2006/main" xmlns:c="http://schemas.openxmlformats.org/drawingml/2006/chart" xmlns:dgm="http://schemas.openxmlformats.org/drawingml/2006/diagram" xmlns:o="urn:schemas-microsoft-com:office:office" xmlns:v="urn:schemas-microsoft-com:vml" xmlns:pvml="urn:schemas-microsoft-com:office:powerpoint" xmlns:com="http://schemas.openxmlformats.org/drawingml/2006/compatibility" xmlns:p14="http://schemas.microsoft.com/office/powerpoint/2010/main" xmlns:p15="http://schemas.microsoft.com/office/powerpoint/2012/main" xmlns:ahyp="http://schemas.microsoft.com/office/drawing/2018/hyperlinkcolor" showMasterPhAnim="0" showMasterSp="0">
-  <p:cSld>
-    <p:spTree>
-      <p:nvGrpSpPr>
-        <p:cNvPr id="122" name="Shape 122"/>
-        <p:cNvGrpSpPr/>
-        <p:nvPr/>
-      </p:nvGrpSpPr>
-      <p:grpSpPr>
-        <a:xfrm>
-          <a:off x="0" y="0"/>
-          <a:ext cx="0" cy="0"/>
-          <a:chOff x="0" y="0"/>
-          <a:chExt cx="0" cy="0"/>
-        </a:xfrm>
-      </p:grpSpPr>
-      <p:sp>
-        <p:nvSpPr>
-          <p:cNvPr id="123" name="Google Shape;123;g311235bb2c4_0_94:notes"/>
-          <p:cNvSpPr/>
-          <p:nvPr>
-            <p:ph idx="2" type="sldImg"/>
-          </p:nvPr>
-        </p:nvSpPr>
-        <p:spPr>
-          <a:xfrm>
-            <a:off x="381300" y="685800"/>
-            <a:ext cx="6096000" cy="3429000"/>
-          </a:xfrm>
-          <a:custGeom>
-            <a:rect b="b" l="l" r="r" t="t"/>
-            <a:pathLst>
-              <a:path extrusionOk="0" h="120000" w="120000">
-                <a:moveTo>
-                  <a:pt x="0" y="0"/>
-                </a:moveTo>
-                <a:lnTo>
-                  <a:pt x="120000" y="0"/>
-                </a:lnTo>
-                <a:lnTo>
-                  <a:pt x="120000" y="120000"/>
-                </a:lnTo>
-                <a:lnTo>
-                  <a:pt x="0" y="120000"/>
-                </a:lnTo>
-                <a:close/>
-              </a:path>
-            </a:pathLst>
-          </a:custGeom>
-        </p:spPr>
-      </p:sp>
-      <p:sp>
-        <p:nvSpPr>
-          <p:cNvPr id="124" name="Google Shape;124;g311235bb2c4_0_94:notes"/>
-          <p:cNvSpPr txBox="1"/>
-          <p:nvPr>
-            <p:ph idx="1" type="body"/>
-          </p:nvPr>
-        </p:nvSpPr>
-        <p:spPr>
-          <a:xfrm>
-            <a:off x="685800" y="4343400"/>
-            <a:ext cx="5486400" cy="4114800"/>
-          </a:xfrm>
-          <a:prstGeom prst="rect">
-            <a:avLst/>
-          </a:prstGeom>
-        </p:spPr>
-        <p:txBody>
-          <a:bodyPr anchorCtr="0" anchor="t" bIns="91425" lIns="91425" spcFirstLastPara="1" rIns="91425" wrap="square" tIns="91425">
-            <a:noAutofit/>
-          </a:bodyPr>
-          <a:lstStyle/>
-          <a:p>
-            <a:pPr indent="0" lvl="0" marL="0" rtl="0" algn="l">
-              <a:spcBef>
-                <a:spcPts val="0"/>
-              </a:spcBef>
-              <a:spcAft>
-                <a:spcPts val="0"/>
-              </a:spcAft>
-              <a:buNone/>
-            </a:pPr>
-            <a:r>
-              <a:t/>
-            </a:r>
-            <a:endParaRPr/>
-          </a:p>
-        </p:txBody>
-      </p:sp>
-    </p:spTree>
-  </p:cSld>
-  <p:clrMapOvr>
-    <a:masterClrMapping/>
-  </p:clrMapOvr>
-</p:notes>
-</file>
-
 <file path=ppt/notesSlides/notesSlide2.xml><?xml version="1.0" encoding="utf-8"?>
 <p:notes xmlns:a="http://schemas.openxmlformats.org/drawingml/2006/main" xmlns:r="http://schemas.openxmlformats.org/officeDocument/2006/relationships" xmlns:mc="http://schemas.openxmlformats.org/markup-compatibility/2006" xmlns:mv="urn:schemas-microsoft-com:mac:vml" xmlns:p="http://schemas.openxmlformats.org/presentationml/2006/main" xmlns:c="http://schemas.openxmlformats.org/drawingml/2006/chart" xmlns:dgm="http://schemas.openxmlformats.org/drawingml/2006/diagram" xmlns:o="urn:schemas-microsoft-com:office:office" xmlns:v="urn:schemas-microsoft-com:vml" xmlns:pvml="urn:schemas-microsoft-com:office:powerpoint" xmlns:com="http://schemas.openxmlformats.org/drawingml/2006/compatibility" xmlns:p14="http://schemas.microsoft.com/office/powerpoint/2010/main" xmlns:p15="http://schemas.microsoft.com/office/powerpoint/2012/main" xmlns:ahyp="http://schemas.microsoft.com/office/drawing/2018/hyperlinkcolor" showMasterPhAnim="0" showMasterSp="0">
   <p:cSld>
@@ -1111,7 +909,7 @@
       </p:grpSpPr>
       <p:sp>
         <p:nvSpPr>
-          <p:cNvPr id="65" name="Google Shape;65;g311235bb2c4_0_0:notes"/>
+          <p:cNvPr id="65" name="Google Shape;65;g311235bb2c4_0_13:notes"/>
           <p:cNvSpPr/>
           <p:nvPr>
             <p:ph idx="2" type="sldImg"/>
@@ -1146,7 +944,7 @@
       </p:sp>
       <p:sp>
         <p:nvSpPr>
-          <p:cNvPr id="66" name="Google Shape;66;g311235bb2c4_0_0:notes"/>
+          <p:cNvPr id="66" name="Google Shape;66;g311235bb2c4_0_13:notes"/>
           <p:cNvSpPr txBox="1"/>
           <p:nvPr>
             <p:ph idx="1" type="body"/>
@@ -1178,15 +976,7 @@
             </a:pPr>
             <a:r>
               <a:rPr lang="en"/>
-              <a:t>By transforming the data into a </a:t>
-            </a:r>
-            <a:r>
-              <a:rPr lang="en"/>
-              <a:t>frequency</a:t>
-            </a:r>
-            <a:r>
-              <a:rPr lang="en"/>
-              <a:t> domain, its easier to tell which frequencies dominate the sample and how they vary over time, as well as improving the Signal to Noise ratio</a:t>
+              <a:t>Strain is the change in distance caused by the gravitational wave</a:t>
             </a:r>
             <a:endParaRPr/>
           </a:p>
@@ -1205,7 +995,7 @@
   <p:cSld>
     <p:spTree>
       <p:nvGrpSpPr>
-        <p:cNvPr id="70" name="Shape 70"/>
+        <p:cNvPr id="69" name="Shape 69"/>
         <p:cNvGrpSpPr/>
         <p:nvPr/>
       </p:nvGrpSpPr>
@@ -1219,7 +1009,7 @@
       </p:grpSpPr>
       <p:sp>
         <p:nvSpPr>
-          <p:cNvPr id="71" name="Google Shape;71;g311235bb2c4_0_7:notes"/>
+          <p:cNvPr id="70" name="Google Shape;70;g311235bb2c4_0_0:notes"/>
           <p:cNvSpPr/>
           <p:nvPr>
             <p:ph idx="2" type="sldImg"/>
@@ -1254,7 +1044,7 @@
       </p:sp>
       <p:sp>
         <p:nvSpPr>
-          <p:cNvPr id="72" name="Google Shape;72;g311235bb2c4_0_7:notes"/>
+          <p:cNvPr id="71" name="Google Shape;71;g311235bb2c4_0_0:notes"/>
           <p:cNvSpPr txBox="1"/>
           <p:nvPr>
             <p:ph idx="1" type="body"/>
@@ -1286,7 +1076,15 @@
             </a:pPr>
             <a:r>
               <a:rPr lang="en"/>
-              <a:t>Before vs after now there is much less noise.</a:t>
+              <a:t>By transforming the data into a </a:t>
+            </a:r>
+            <a:r>
+              <a:rPr lang="en"/>
+              <a:t>frequency</a:t>
+            </a:r>
+            <a:r>
+              <a:rPr lang="en"/>
+              <a:t> domain, its easier to tell which frequencies dominate the sample and how they vary over time, as well as improving the Signal to Noise ratio</a:t>
             </a:r>
             <a:endParaRPr/>
           </a:p>
@@ -1305,7 +1103,7 @@
   <p:cSld>
     <p:spTree>
       <p:nvGrpSpPr>
-        <p:cNvPr id="75" name="Shape 75"/>
+        <p:cNvPr id="76" name="Shape 76"/>
         <p:cNvGrpSpPr/>
         <p:nvPr/>
       </p:nvGrpSpPr>
@@ -1319,7 +1117,7 @@
       </p:grpSpPr>
       <p:sp>
         <p:nvSpPr>
-          <p:cNvPr id="76" name="Google Shape;76;g311235bb2c4_0_13:notes"/>
+          <p:cNvPr id="77" name="Google Shape;77;g303aa8e2319_1_2:notes"/>
           <p:cNvSpPr/>
           <p:nvPr>
             <p:ph idx="2" type="sldImg"/>
@@ -1354,7 +1152,7 @@
       </p:sp>
       <p:sp>
         <p:nvSpPr>
-          <p:cNvPr id="77" name="Google Shape;77;g311235bb2c4_0_13:notes"/>
+          <p:cNvPr id="78" name="Google Shape;78;g303aa8e2319_1_2:notes"/>
           <p:cNvSpPr txBox="1"/>
           <p:nvPr>
             <p:ph idx="1" type="body"/>
@@ -1385,8 +1183,7 @@
               <a:buNone/>
             </a:pPr>
             <a:r>
-              <a:rPr lang="en"/>
-              <a:t>Strain is the change in distance caused by the gravitational wave</a:t>
+              <a:t/>
             </a:r>
             <a:endParaRPr/>
           </a:p>
@@ -1405,7 +1202,7 @@
   <p:cSld>
     <p:spTree>
       <p:nvGrpSpPr>
-        <p:cNvPr id="80" name="Shape 80"/>
+        <p:cNvPr id="86" name="Shape 86"/>
         <p:cNvGrpSpPr/>
         <p:nvPr/>
       </p:nvGrpSpPr>
@@ -1419,7 +1216,7 @@
       </p:grpSpPr>
       <p:sp>
         <p:nvSpPr>
-          <p:cNvPr id="81" name="Google Shape;81;g311235bb2c4_0_36:notes"/>
+          <p:cNvPr id="87" name="Google Shape;87;g303aa8e1859_0_22:notes"/>
           <p:cNvSpPr/>
           <p:nvPr>
             <p:ph idx="2" type="sldImg"/>
@@ -1454,7 +1251,7 @@
       </p:sp>
       <p:sp>
         <p:nvSpPr>
-          <p:cNvPr id="82" name="Google Shape;82;g311235bb2c4_0_36:notes"/>
+          <p:cNvPr id="88" name="Google Shape;88;g303aa8e1859_0_22:notes"/>
           <p:cNvSpPr txBox="1"/>
           <p:nvPr>
             <p:ph idx="1" type="body"/>
@@ -1504,7 +1301,7 @@
   <p:cSld>
     <p:spTree>
       <p:nvGrpSpPr>
-        <p:cNvPr id="88" name="Shape 88"/>
+        <p:cNvPr id="94" name="Shape 94"/>
         <p:cNvGrpSpPr/>
         <p:nvPr/>
       </p:nvGrpSpPr>
@@ -1518,7 +1315,7 @@
       </p:grpSpPr>
       <p:sp>
         <p:nvSpPr>
-          <p:cNvPr id="89" name="Google Shape;89;g311235bb2c4_0_48:notes"/>
+          <p:cNvPr id="95" name="Google Shape;95;g311235bb2c4_0_94:notes"/>
           <p:cNvSpPr/>
           <p:nvPr>
             <p:ph idx="2" type="sldImg"/>
@@ -1553,205 +1350,7 @@
       </p:sp>
       <p:sp>
         <p:nvSpPr>
-          <p:cNvPr id="90" name="Google Shape;90;g311235bb2c4_0_48:notes"/>
-          <p:cNvSpPr txBox="1"/>
-          <p:nvPr>
-            <p:ph idx="1" type="body"/>
-          </p:nvPr>
-        </p:nvSpPr>
-        <p:spPr>
-          <a:xfrm>
-            <a:off x="685800" y="4343400"/>
-            <a:ext cx="5486400" cy="4114800"/>
-          </a:xfrm>
-          <a:prstGeom prst="rect">
-            <a:avLst/>
-          </a:prstGeom>
-        </p:spPr>
-        <p:txBody>
-          <a:bodyPr anchorCtr="0" anchor="t" bIns="91425" lIns="91425" spcFirstLastPara="1" rIns="91425" wrap="square" tIns="91425">
-            <a:noAutofit/>
-          </a:bodyPr>
-          <a:lstStyle/>
-          <a:p>
-            <a:pPr indent="0" lvl="0" marL="0" rtl="0" algn="l">
-              <a:spcBef>
-                <a:spcPts val="0"/>
-              </a:spcBef>
-              <a:spcAft>
-                <a:spcPts val="0"/>
-              </a:spcAft>
-              <a:buNone/>
-            </a:pPr>
-            <a:r>
-              <a:t/>
-            </a:r>
-            <a:endParaRPr/>
-          </a:p>
-        </p:txBody>
-      </p:sp>
-    </p:spTree>
-  </p:cSld>
-  <p:clrMapOvr>
-    <a:masterClrMapping/>
-  </p:clrMapOvr>
-</p:notes>
-</file>
-
-<file path=ppt/notesSlides/notesSlide8.xml><?xml version="1.0" encoding="utf-8"?>
-<p:notes xmlns:a="http://schemas.openxmlformats.org/drawingml/2006/main" xmlns:r="http://schemas.openxmlformats.org/officeDocument/2006/relationships" xmlns:mc="http://schemas.openxmlformats.org/markup-compatibility/2006" xmlns:mv="urn:schemas-microsoft-com:mac:vml" xmlns:p="http://schemas.openxmlformats.org/presentationml/2006/main" xmlns:c="http://schemas.openxmlformats.org/drawingml/2006/chart" xmlns:dgm="http://schemas.openxmlformats.org/drawingml/2006/diagram" xmlns:o="urn:schemas-microsoft-com:office:office" xmlns:v="urn:schemas-microsoft-com:vml" xmlns:pvml="urn:schemas-microsoft-com:office:powerpoint" xmlns:com="http://schemas.openxmlformats.org/drawingml/2006/compatibility" xmlns:p14="http://schemas.microsoft.com/office/powerpoint/2010/main" xmlns:p15="http://schemas.microsoft.com/office/powerpoint/2012/main" xmlns:ahyp="http://schemas.microsoft.com/office/drawing/2018/hyperlinkcolor" showMasterPhAnim="0" showMasterSp="0">
-  <p:cSld>
-    <p:spTree>
-      <p:nvGrpSpPr>
-        <p:cNvPr id="96" name="Shape 96"/>
-        <p:cNvGrpSpPr/>
-        <p:nvPr/>
-      </p:nvGrpSpPr>
-      <p:grpSpPr>
-        <a:xfrm>
-          <a:off x="0" y="0"/>
-          <a:ext cx="0" cy="0"/>
-          <a:chOff x="0" y="0"/>
-          <a:chExt cx="0" cy="0"/>
-        </a:xfrm>
-      </p:grpSpPr>
-      <p:sp>
-        <p:nvSpPr>
-          <p:cNvPr id="97" name="Google Shape;97;g311235bb2c4_0_56:notes"/>
-          <p:cNvSpPr/>
-          <p:nvPr>
-            <p:ph idx="2" type="sldImg"/>
-          </p:nvPr>
-        </p:nvSpPr>
-        <p:spPr>
-          <a:xfrm>
-            <a:off x="381300" y="685800"/>
-            <a:ext cx="6096000" cy="3429000"/>
-          </a:xfrm>
-          <a:custGeom>
-            <a:rect b="b" l="l" r="r" t="t"/>
-            <a:pathLst>
-              <a:path extrusionOk="0" h="120000" w="120000">
-                <a:moveTo>
-                  <a:pt x="0" y="0"/>
-                </a:moveTo>
-                <a:lnTo>
-                  <a:pt x="120000" y="0"/>
-                </a:lnTo>
-                <a:lnTo>
-                  <a:pt x="120000" y="120000"/>
-                </a:lnTo>
-                <a:lnTo>
-                  <a:pt x="0" y="120000"/>
-                </a:lnTo>
-                <a:close/>
-              </a:path>
-            </a:pathLst>
-          </a:custGeom>
-        </p:spPr>
-      </p:sp>
-      <p:sp>
-        <p:nvSpPr>
-          <p:cNvPr id="98" name="Google Shape;98;g311235bb2c4_0_56:notes"/>
-          <p:cNvSpPr txBox="1"/>
-          <p:nvPr>
-            <p:ph idx="1" type="body"/>
-          </p:nvPr>
-        </p:nvSpPr>
-        <p:spPr>
-          <a:xfrm>
-            <a:off x="685800" y="4343400"/>
-            <a:ext cx="5486400" cy="4114800"/>
-          </a:xfrm>
-          <a:prstGeom prst="rect">
-            <a:avLst/>
-          </a:prstGeom>
-        </p:spPr>
-        <p:txBody>
-          <a:bodyPr anchorCtr="0" anchor="t" bIns="91425" lIns="91425" spcFirstLastPara="1" rIns="91425" wrap="square" tIns="91425">
-            <a:noAutofit/>
-          </a:bodyPr>
-          <a:lstStyle/>
-          <a:p>
-            <a:pPr indent="0" lvl="0" marL="0" rtl="0" algn="l">
-              <a:spcBef>
-                <a:spcPts val="0"/>
-              </a:spcBef>
-              <a:spcAft>
-                <a:spcPts val="0"/>
-              </a:spcAft>
-              <a:buNone/>
-            </a:pPr>
-            <a:r>
-              <a:t/>
-            </a:r>
-            <a:endParaRPr/>
-          </a:p>
-        </p:txBody>
-      </p:sp>
-    </p:spTree>
-  </p:cSld>
-  <p:clrMapOvr>
-    <a:masterClrMapping/>
-  </p:clrMapOvr>
-</p:notes>
-</file>
-
-<file path=ppt/notesSlides/notesSlide9.xml><?xml version="1.0" encoding="utf-8"?>
-<p:notes xmlns:a="http://schemas.openxmlformats.org/drawingml/2006/main" xmlns:r="http://schemas.openxmlformats.org/officeDocument/2006/relationships" xmlns:mc="http://schemas.openxmlformats.org/markup-compatibility/2006" xmlns:mv="urn:schemas-microsoft-com:mac:vml" xmlns:p="http://schemas.openxmlformats.org/presentationml/2006/main" xmlns:c="http://schemas.openxmlformats.org/drawingml/2006/chart" xmlns:dgm="http://schemas.openxmlformats.org/drawingml/2006/diagram" xmlns:o="urn:schemas-microsoft-com:office:office" xmlns:v="urn:schemas-microsoft-com:vml" xmlns:pvml="urn:schemas-microsoft-com:office:powerpoint" xmlns:com="http://schemas.openxmlformats.org/drawingml/2006/compatibility" xmlns:p14="http://schemas.microsoft.com/office/powerpoint/2010/main" xmlns:p15="http://schemas.microsoft.com/office/powerpoint/2012/main" xmlns:ahyp="http://schemas.microsoft.com/office/drawing/2018/hyperlinkcolor" showMasterPhAnim="0" showMasterSp="0">
-  <p:cSld>
-    <p:spTree>
-      <p:nvGrpSpPr>
-        <p:cNvPr id="104" name="Shape 104"/>
-        <p:cNvGrpSpPr/>
-        <p:nvPr/>
-      </p:nvGrpSpPr>
-      <p:grpSpPr>
-        <a:xfrm>
-          <a:off x="0" y="0"/>
-          <a:ext cx="0" cy="0"/>
-          <a:chOff x="0" y="0"/>
-          <a:chExt cx="0" cy="0"/>
-        </a:xfrm>
-      </p:grpSpPr>
-      <p:sp>
-        <p:nvSpPr>
-          <p:cNvPr id="105" name="Google Shape;105;g311235bb2c4_0_66:notes"/>
-          <p:cNvSpPr/>
-          <p:nvPr>
-            <p:ph idx="2" type="sldImg"/>
-          </p:nvPr>
-        </p:nvSpPr>
-        <p:spPr>
-          <a:xfrm>
-            <a:off x="381300" y="685800"/>
-            <a:ext cx="6096000" cy="3429000"/>
-          </a:xfrm>
-          <a:custGeom>
-            <a:rect b="b" l="l" r="r" t="t"/>
-            <a:pathLst>
-              <a:path extrusionOk="0" h="120000" w="120000">
-                <a:moveTo>
-                  <a:pt x="0" y="0"/>
-                </a:moveTo>
-                <a:lnTo>
-                  <a:pt x="120000" y="0"/>
-                </a:lnTo>
-                <a:lnTo>
-                  <a:pt x="120000" y="120000"/>
-                </a:lnTo>
-                <a:lnTo>
-                  <a:pt x="0" y="120000"/>
-                </a:lnTo>
-                <a:close/>
-              </a:path>
-            </a:pathLst>
-          </a:custGeom>
-        </p:spPr>
-      </p:sp>
-      <p:sp>
-        <p:nvSpPr>
-          <p:cNvPr id="106" name="Google Shape;106;g311235bb2c4_0_66:notes"/>
+          <p:cNvPr id="96" name="Google Shape;96;g311235bb2c4_0_94:notes"/>
           <p:cNvSpPr txBox="1"/>
           <p:nvPr>
             <p:ph idx="1" type="body"/>
@@ -6568,470 +6167,6 @@
 </p:sld>
 </file>
 
-<file path=ppt/slides/slide10.xml><?xml version="1.0" encoding="utf-8"?>
-<p:sld xmlns:a="http://schemas.openxmlformats.org/drawingml/2006/main" xmlns:r="http://schemas.openxmlformats.org/officeDocument/2006/relationships" xmlns:mc="http://schemas.openxmlformats.org/markup-compatibility/2006" xmlns:mv="urn:schemas-microsoft-com:mac:vml" xmlns:p="http://schemas.openxmlformats.org/presentationml/2006/main" xmlns:c="http://schemas.openxmlformats.org/drawingml/2006/chart" xmlns:dgm="http://schemas.openxmlformats.org/drawingml/2006/diagram" xmlns:o="urn:schemas-microsoft-com:office:office" xmlns:v="urn:schemas-microsoft-com:vml" xmlns:pvml="urn:schemas-microsoft-com:office:powerpoint" xmlns:com="http://schemas.openxmlformats.org/drawingml/2006/compatibility" xmlns:p14="http://schemas.microsoft.com/office/powerpoint/2010/main" xmlns:p15="http://schemas.microsoft.com/office/powerpoint/2012/main" xmlns:ahyp="http://schemas.microsoft.com/office/drawing/2018/hyperlinkcolor">
-  <p:cSld>
-    <p:spTree>
-      <p:nvGrpSpPr>
-        <p:cNvPr id="115" name="Shape 115"/>
-        <p:cNvGrpSpPr/>
-        <p:nvPr/>
-      </p:nvGrpSpPr>
-      <p:grpSpPr>
-        <a:xfrm>
-          <a:off x="0" y="0"/>
-          <a:ext cx="0" cy="0"/>
-          <a:chOff x="0" y="0"/>
-          <a:chExt cx="0" cy="0"/>
-        </a:xfrm>
-      </p:grpSpPr>
-      <p:sp>
-        <p:nvSpPr>
-          <p:cNvPr id="116" name="Google Shape;116;p22"/>
-          <p:cNvSpPr txBox="1"/>
-          <p:nvPr>
-            <p:ph type="title"/>
-          </p:nvPr>
-        </p:nvSpPr>
-        <p:spPr>
-          <a:xfrm>
-            <a:off x="311700" y="421225"/>
-            <a:ext cx="8520600" cy="572700"/>
-          </a:xfrm>
-          <a:prstGeom prst="rect">
-            <a:avLst/>
-          </a:prstGeom>
-        </p:spPr>
-        <p:txBody>
-          <a:bodyPr anchorCtr="0" anchor="t" bIns="91425" lIns="91425" spcFirstLastPara="1" rIns="91425" wrap="square" tIns="91425">
-            <a:normAutofit fontScale="90000"/>
-          </a:bodyPr>
-          <a:lstStyle/>
-          <a:p>
-            <a:pPr indent="0" lvl="0" marL="0" rtl="0" algn="l">
-              <a:spcBef>
-                <a:spcPts val="0"/>
-              </a:spcBef>
-              <a:spcAft>
-                <a:spcPts val="0"/>
-              </a:spcAft>
-              <a:buNone/>
-            </a:pPr>
-            <a:r>
-              <a:rPr lang="en">
-                <a:latin typeface="Times New Roman"/>
-                <a:ea typeface="Times New Roman"/>
-                <a:cs typeface="Times New Roman"/>
-                <a:sym typeface="Times New Roman"/>
-              </a:rPr>
-              <a:t>I Lied</a:t>
-            </a:r>
-            <a:endParaRPr>
-              <a:latin typeface="Times New Roman"/>
-              <a:ea typeface="Times New Roman"/>
-              <a:cs typeface="Times New Roman"/>
-              <a:sym typeface="Times New Roman"/>
-            </a:endParaRPr>
-          </a:p>
-        </p:txBody>
-      </p:sp>
-      <p:pic>
-        <p:nvPicPr>
-          <p:cNvPr id="117" name="Google Shape;117;p22"/>
-          <p:cNvPicPr preferRelativeResize="0"/>
-          <p:nvPr/>
-        </p:nvPicPr>
-        <p:blipFill>
-          <a:blip r:embed="rId3">
-            <a:alphaModFix/>
-          </a:blip>
-          <a:stretch>
-            <a:fillRect/>
-          </a:stretch>
-        </p:blipFill>
-        <p:spPr>
-          <a:xfrm>
-            <a:off x="1512095" y="2031607"/>
-            <a:ext cx="5838208" cy="301445"/>
-          </a:xfrm>
-          <a:prstGeom prst="rect">
-            <a:avLst/>
-          </a:prstGeom>
-          <a:noFill/>
-          <a:ln>
-            <a:noFill/>
-          </a:ln>
-        </p:spPr>
-      </p:pic>
-      <p:pic>
-        <p:nvPicPr>
-          <p:cNvPr id="118" name="Google Shape;118;p22"/>
-          <p:cNvPicPr preferRelativeResize="0"/>
-          <p:nvPr/>
-        </p:nvPicPr>
-        <p:blipFill>
-          <a:blip r:embed="rId4">
-            <a:alphaModFix/>
-          </a:blip>
-          <a:stretch>
-            <a:fillRect/>
-          </a:stretch>
-        </p:blipFill>
-        <p:spPr>
-          <a:xfrm>
-            <a:off x="1512087" y="805487"/>
-            <a:ext cx="6119825" cy="364535"/>
-          </a:xfrm>
-          <a:prstGeom prst="rect">
-            <a:avLst/>
-          </a:prstGeom>
-          <a:noFill/>
-          <a:ln>
-            <a:noFill/>
-          </a:ln>
-        </p:spPr>
-      </p:pic>
-      <p:pic>
-        <p:nvPicPr>
-          <p:cNvPr id="119" name="Google Shape;119;p22"/>
-          <p:cNvPicPr preferRelativeResize="0"/>
-          <p:nvPr/>
-        </p:nvPicPr>
-        <p:blipFill>
-          <a:blip r:embed="rId5">
-            <a:alphaModFix/>
-          </a:blip>
-          <a:stretch>
-            <a:fillRect/>
-          </a:stretch>
-        </p:blipFill>
-        <p:spPr>
-          <a:xfrm>
-            <a:off x="1869203" y="1194159"/>
-            <a:ext cx="3980016" cy="813314"/>
-          </a:xfrm>
-          <a:prstGeom prst="rect">
-            <a:avLst/>
-          </a:prstGeom>
-          <a:noFill/>
-          <a:ln>
-            <a:noFill/>
-          </a:ln>
-        </p:spPr>
-      </p:pic>
-      <p:pic>
-        <p:nvPicPr>
-          <p:cNvPr id="120" name="Google Shape;120;p22"/>
-          <p:cNvPicPr preferRelativeResize="0"/>
-          <p:nvPr/>
-        </p:nvPicPr>
-        <p:blipFill>
-          <a:blip r:embed="rId6">
-            <a:alphaModFix/>
-          </a:blip>
-          <a:stretch>
-            <a:fillRect/>
-          </a:stretch>
-        </p:blipFill>
-        <p:spPr>
-          <a:xfrm>
-            <a:off x="1869211" y="2381315"/>
-            <a:ext cx="5123979" cy="2125978"/>
-          </a:xfrm>
-          <a:prstGeom prst="rect">
-            <a:avLst/>
-          </a:prstGeom>
-          <a:noFill/>
-          <a:ln>
-            <a:noFill/>
-          </a:ln>
-        </p:spPr>
-      </p:pic>
-      <p:pic>
-        <p:nvPicPr>
-          <p:cNvPr id="121" name="Google Shape;121;p22"/>
-          <p:cNvPicPr preferRelativeResize="0"/>
-          <p:nvPr/>
-        </p:nvPicPr>
-        <p:blipFill>
-          <a:blip r:embed="rId7">
-            <a:alphaModFix/>
-          </a:blip>
-          <a:stretch>
-            <a:fillRect/>
-          </a:stretch>
-        </p:blipFill>
-        <p:spPr>
-          <a:xfrm>
-            <a:off x="1810873" y="4614436"/>
-            <a:ext cx="5346661" cy="301427"/>
-          </a:xfrm>
-          <a:prstGeom prst="rect">
-            <a:avLst/>
-          </a:prstGeom>
-          <a:noFill/>
-          <a:ln>
-            <a:noFill/>
-          </a:ln>
-        </p:spPr>
-      </p:pic>
-    </p:spTree>
-  </p:cSld>
-  <p:clrMapOvr>
-    <a:masterClrMapping/>
-  </p:clrMapOvr>
-</p:sld>
-</file>
-
-<file path=ppt/slides/slide11.xml><?xml version="1.0" encoding="utf-8"?>
-<p:sld xmlns:a="http://schemas.openxmlformats.org/drawingml/2006/main" xmlns:r="http://schemas.openxmlformats.org/officeDocument/2006/relationships" xmlns:mc="http://schemas.openxmlformats.org/markup-compatibility/2006" xmlns:mv="urn:schemas-microsoft-com:mac:vml" xmlns:p="http://schemas.openxmlformats.org/presentationml/2006/main" xmlns:c="http://schemas.openxmlformats.org/drawingml/2006/chart" xmlns:dgm="http://schemas.openxmlformats.org/drawingml/2006/diagram" xmlns:o="urn:schemas-microsoft-com:office:office" xmlns:v="urn:schemas-microsoft-com:vml" xmlns:pvml="urn:schemas-microsoft-com:office:powerpoint" xmlns:com="http://schemas.openxmlformats.org/drawingml/2006/compatibility" xmlns:p14="http://schemas.microsoft.com/office/powerpoint/2010/main" xmlns:p15="http://schemas.microsoft.com/office/powerpoint/2012/main" xmlns:ahyp="http://schemas.microsoft.com/office/drawing/2018/hyperlinkcolor">
-  <p:cSld>
-    <p:spTree>
-      <p:nvGrpSpPr>
-        <p:cNvPr id="125" name="Shape 125"/>
-        <p:cNvGrpSpPr/>
-        <p:nvPr/>
-      </p:nvGrpSpPr>
-      <p:grpSpPr>
-        <a:xfrm>
-          <a:off x="0" y="0"/>
-          <a:ext cx="0" cy="0"/>
-          <a:chOff x="0" y="0"/>
-          <a:chExt cx="0" cy="0"/>
-        </a:xfrm>
-      </p:grpSpPr>
-      <p:sp>
-        <p:nvSpPr>
-          <p:cNvPr id="126" name="Google Shape;126;p23"/>
-          <p:cNvSpPr txBox="1"/>
-          <p:nvPr>
-            <p:ph type="title"/>
-          </p:nvPr>
-        </p:nvSpPr>
-        <p:spPr>
-          <a:xfrm>
-            <a:off x="311700" y="445025"/>
-            <a:ext cx="3999900" cy="572700"/>
-          </a:xfrm>
-          <a:prstGeom prst="rect">
-            <a:avLst/>
-          </a:prstGeom>
-        </p:spPr>
-        <p:txBody>
-          <a:bodyPr anchorCtr="0" anchor="t" bIns="91425" lIns="91425" spcFirstLastPara="1" rIns="91425" wrap="square" tIns="91425">
-            <a:normAutofit fontScale="90000"/>
-          </a:bodyPr>
-          <a:lstStyle/>
-          <a:p>
-            <a:pPr indent="0" lvl="0" marL="0" rtl="0" algn="l">
-              <a:spcBef>
-                <a:spcPts val="0"/>
-              </a:spcBef>
-              <a:spcAft>
-                <a:spcPts val="0"/>
-              </a:spcAft>
-              <a:buNone/>
-            </a:pPr>
-            <a:r>
-              <a:rPr lang="en">
-                <a:latin typeface="Times New Roman"/>
-                <a:ea typeface="Times New Roman"/>
-                <a:cs typeface="Times New Roman"/>
-                <a:sym typeface="Times New Roman"/>
-              </a:rPr>
-              <a:t>Conclusion</a:t>
-            </a:r>
-            <a:endParaRPr>
-              <a:latin typeface="Times New Roman"/>
-              <a:ea typeface="Times New Roman"/>
-              <a:cs typeface="Times New Roman"/>
-              <a:sym typeface="Times New Roman"/>
-            </a:endParaRPr>
-          </a:p>
-        </p:txBody>
-      </p:sp>
-      <p:sp>
-        <p:nvSpPr>
-          <p:cNvPr id="127" name="Google Shape;127;p23"/>
-          <p:cNvSpPr txBox="1"/>
-          <p:nvPr>
-            <p:ph idx="1" type="body"/>
-          </p:nvPr>
-        </p:nvSpPr>
-        <p:spPr>
-          <a:xfrm>
-            <a:off x="311700" y="1152475"/>
-            <a:ext cx="3999900" cy="3416400"/>
-          </a:xfrm>
-          <a:prstGeom prst="rect">
-            <a:avLst/>
-          </a:prstGeom>
-        </p:spPr>
-        <p:txBody>
-          <a:bodyPr anchorCtr="0" anchor="t" bIns="91425" lIns="91425" spcFirstLastPara="1" rIns="91425" wrap="square" tIns="91425">
-            <a:normAutofit/>
-          </a:bodyPr>
-          <a:lstStyle/>
-          <a:p>
-            <a:pPr indent="0" lvl="0" marL="0" rtl="0" algn="l">
-              <a:spcBef>
-                <a:spcPts val="0"/>
-              </a:spcBef>
-              <a:spcAft>
-                <a:spcPts val="1200"/>
-              </a:spcAft>
-              <a:buNone/>
-            </a:pPr>
-            <a:r>
-              <a:rPr lang="en" sz="1600">
-                <a:solidFill>
-                  <a:schemeClr val="dk1"/>
-                </a:solidFill>
-                <a:latin typeface="Times New Roman"/>
-                <a:ea typeface="Times New Roman"/>
-                <a:cs typeface="Times New Roman"/>
-                <a:sym typeface="Times New Roman"/>
-              </a:rPr>
-              <a:t>“My” </a:t>
-            </a:r>
-            <a:r>
-              <a:rPr lang="en" sz="1600">
-                <a:solidFill>
-                  <a:schemeClr val="dk1"/>
-                </a:solidFill>
-                <a:latin typeface="Times New Roman"/>
-                <a:ea typeface="Times New Roman"/>
-                <a:cs typeface="Times New Roman"/>
-                <a:sym typeface="Times New Roman"/>
-              </a:rPr>
-              <a:t>code does not work. And it’s hardly mine.</a:t>
-            </a:r>
-            <a:endParaRPr sz="1600">
-              <a:solidFill>
-                <a:schemeClr val="dk1"/>
-              </a:solidFill>
-              <a:latin typeface="Times New Roman"/>
-              <a:ea typeface="Times New Roman"/>
-              <a:cs typeface="Times New Roman"/>
-              <a:sym typeface="Times New Roman"/>
-            </a:endParaRPr>
-          </a:p>
-        </p:txBody>
-      </p:sp>
-      <p:sp>
-        <p:nvSpPr>
-          <p:cNvPr id="128" name="Google Shape;128;p23"/>
-          <p:cNvSpPr txBox="1"/>
-          <p:nvPr>
-            <p:ph idx="2" type="body"/>
-          </p:nvPr>
-        </p:nvSpPr>
-        <p:spPr>
-          <a:xfrm>
-            <a:off x="4832400" y="1152475"/>
-            <a:ext cx="3999900" cy="3416400"/>
-          </a:xfrm>
-          <a:prstGeom prst="rect">
-            <a:avLst/>
-          </a:prstGeom>
-        </p:spPr>
-        <p:txBody>
-          <a:bodyPr anchorCtr="0" anchor="t" bIns="91425" lIns="91425" spcFirstLastPara="1" rIns="91425" wrap="square" tIns="91425">
-            <a:normAutofit/>
-          </a:bodyPr>
-          <a:lstStyle/>
-          <a:p>
-            <a:pPr indent="0" lvl="0" marL="0" rtl="0" algn="l">
-              <a:spcBef>
-                <a:spcPts val="0"/>
-              </a:spcBef>
-              <a:spcAft>
-                <a:spcPts val="1200"/>
-              </a:spcAft>
-              <a:buNone/>
-            </a:pPr>
-            <a:r>
-              <a:rPr lang="en" sz="1600">
-                <a:solidFill>
-                  <a:schemeClr val="dk1"/>
-                </a:solidFill>
-                <a:latin typeface="Times New Roman"/>
-                <a:ea typeface="Times New Roman"/>
-                <a:cs typeface="Times New Roman"/>
-                <a:sym typeface="Times New Roman"/>
-              </a:rPr>
-              <a:t>So much of it. And for what.</a:t>
-            </a:r>
-            <a:endParaRPr sz="1600">
-              <a:solidFill>
-                <a:schemeClr val="dk1"/>
-              </a:solidFill>
-              <a:latin typeface="Times New Roman"/>
-              <a:ea typeface="Times New Roman"/>
-              <a:cs typeface="Times New Roman"/>
-              <a:sym typeface="Times New Roman"/>
-            </a:endParaRPr>
-          </a:p>
-        </p:txBody>
-      </p:sp>
-      <p:sp>
-        <p:nvSpPr>
-          <p:cNvPr id="129" name="Google Shape;129;p23"/>
-          <p:cNvSpPr txBox="1"/>
-          <p:nvPr>
-            <p:ph type="title"/>
-          </p:nvPr>
-        </p:nvSpPr>
-        <p:spPr>
-          <a:xfrm>
-            <a:off x="4832400" y="445025"/>
-            <a:ext cx="3999900" cy="572700"/>
-          </a:xfrm>
-          <a:prstGeom prst="rect">
-            <a:avLst/>
-          </a:prstGeom>
-        </p:spPr>
-        <p:txBody>
-          <a:bodyPr anchorCtr="0" anchor="t" bIns="91425" lIns="91425" spcFirstLastPara="1" rIns="91425" wrap="square" tIns="91425">
-            <a:normAutofit fontScale="90000"/>
-          </a:bodyPr>
-          <a:lstStyle/>
-          <a:p>
-            <a:pPr indent="0" lvl="0" marL="0" rtl="0" algn="l">
-              <a:spcBef>
-                <a:spcPts val="0"/>
-              </a:spcBef>
-              <a:spcAft>
-                <a:spcPts val="0"/>
-              </a:spcAft>
-              <a:buNone/>
-            </a:pPr>
-            <a:r>
-              <a:rPr lang="en">
-                <a:latin typeface="Times New Roman"/>
-                <a:ea typeface="Times New Roman"/>
-                <a:cs typeface="Times New Roman"/>
-                <a:sym typeface="Times New Roman"/>
-              </a:rPr>
-              <a:t>AI Acknowledgement</a:t>
-            </a:r>
-            <a:endParaRPr>
-              <a:latin typeface="Times New Roman"/>
-              <a:ea typeface="Times New Roman"/>
-              <a:cs typeface="Times New Roman"/>
-              <a:sym typeface="Times New Roman"/>
-            </a:endParaRPr>
-          </a:p>
-        </p:txBody>
-      </p:sp>
-    </p:spTree>
-  </p:cSld>
-  <p:clrMapOvr>
-    <a:masterClrMapping/>
-  </p:clrMapOvr>
-</p:sld>
-</file>
-
 <file path=ppt/slides/slide2.xml><?xml version="1.0" encoding="utf-8"?>
 <p:sld xmlns:a="http://schemas.openxmlformats.org/drawingml/2006/main" xmlns:r="http://schemas.openxmlformats.org/officeDocument/2006/relationships" xmlns:mc="http://schemas.openxmlformats.org/markup-compatibility/2006" xmlns:mv="urn:schemas-microsoft-com:mac:vml" xmlns:p="http://schemas.openxmlformats.org/presentationml/2006/main" xmlns:c="http://schemas.openxmlformats.org/drawingml/2006/chart" xmlns:dgm="http://schemas.openxmlformats.org/drawingml/2006/diagram" xmlns:o="urn:schemas-microsoft-com:office:office" xmlns:v="urn:schemas-microsoft-com:vml" xmlns:pvml="urn:schemas-microsoft-com:office:powerpoint" xmlns:com="http://schemas.openxmlformats.org/drawingml/2006/compatibility" xmlns:p14="http://schemas.microsoft.com/office/powerpoint/2010/main" xmlns:p15="http://schemas.microsoft.com/office/powerpoint/2012/main" xmlns:ahyp="http://schemas.microsoft.com/office/drawing/2018/hyperlinkcolor">
   <p:cSld>
@@ -7195,6 +6330,9 @@
           <a:prstGeom prst="rect">
             <a:avLst/>
           </a:prstGeom>
+          <a:ln>
+            <a:noFill/>
+          </a:ln>
         </p:spPr>
         <p:txBody>
           <a:bodyPr anchorCtr="0" anchor="t" bIns="91425" lIns="91425" spcFirstLastPara="1" rIns="91425" wrap="square" tIns="91425">
@@ -7221,7 +6359,7 @@
                 <a:cs typeface="Times New Roman"/>
                 <a:sym typeface="Times New Roman"/>
               </a:rPr>
-              <a:t>By using gravitational wave data collected from LIGO we should be able to calculate the masses of the two black holes that merged in order to cause the wave. </a:t>
+              <a:t>By using gravitational wave data collected from LIGO we should be able to calculate the masses of the two black holes that merged in order to cause the wave.</a:t>
             </a:r>
             <a:endParaRPr>
               <a:solidFill>
@@ -7262,7 +6400,7 @@
                 <a:spcPts val="1200"/>
               </a:spcBef>
               <a:spcAft>
-                <a:spcPts val="1200"/>
+                <a:spcPts val="0"/>
               </a:spcAft>
               <a:buNone/>
             </a:pPr>
@@ -7276,7 +6414,42 @@
                 <a:cs typeface="Times New Roman"/>
                 <a:sym typeface="Times New Roman"/>
               </a:rPr>
-              <a:t>Using data from the two different locations, we assume the Earth is round in order to account for their distance difference in order to line up the data.</a:t>
+              <a:t>Chirp Mass = (</a:t>
+            </a:r>
+            <a:r>
+              <a:rPr lang="en">
+                <a:solidFill>
+                  <a:schemeClr val="dk1"/>
+                </a:solidFill>
+                <a:latin typeface="Times New Roman"/>
+                <a:ea typeface="Times New Roman"/>
+                <a:cs typeface="Times New Roman"/>
+                <a:sym typeface="Times New Roman"/>
+              </a:rPr>
+              <a:t>c^3 * peak frequency)/ (pi * G)</a:t>
+            </a:r>
+            <a:endParaRPr>
+              <a:solidFill>
+                <a:schemeClr val="dk1"/>
+              </a:solidFill>
+              <a:latin typeface="Times New Roman"/>
+              <a:ea typeface="Times New Roman"/>
+              <a:cs typeface="Times New Roman"/>
+              <a:sym typeface="Times New Roman"/>
+            </a:endParaRPr>
+          </a:p>
+          <a:p>
+            <a:pPr indent="0" lvl="0" marL="0" rtl="0" algn="l">
+              <a:spcBef>
+                <a:spcPts val="1200"/>
+              </a:spcBef>
+              <a:spcAft>
+                <a:spcPts val="1200"/>
+              </a:spcAft>
+              <a:buNone/>
+            </a:pPr>
+            <a:r>
+              <a:t/>
             </a:r>
             <a:endParaRPr>
               <a:solidFill>
@@ -7365,165 +6538,9 @@
           <a:chExt cx="0" cy="0"/>
         </a:xfrm>
       </p:grpSpPr>
-      <p:sp>
-        <p:nvSpPr>
-          <p:cNvPr id="68" name="Google Shape;68;p15"/>
-          <p:cNvSpPr txBox="1"/>
-          <p:nvPr>
-            <p:ph type="title"/>
-          </p:nvPr>
-        </p:nvSpPr>
-        <p:spPr>
-          <a:xfrm>
-            <a:off x="311700" y="445025"/>
-            <a:ext cx="8520600" cy="572700"/>
-          </a:xfrm>
-          <a:prstGeom prst="rect">
-            <a:avLst/>
-          </a:prstGeom>
-        </p:spPr>
-        <p:txBody>
-          <a:bodyPr anchorCtr="0" anchor="t" bIns="91425" lIns="91425" spcFirstLastPara="1" rIns="91425" wrap="square" tIns="91425">
-            <a:normAutofit fontScale="90000"/>
-          </a:bodyPr>
-          <a:lstStyle/>
-          <a:p>
-            <a:pPr indent="0" lvl="0" marL="0" rtl="0" algn="l">
-              <a:spcBef>
-                <a:spcPts val="0"/>
-              </a:spcBef>
-              <a:spcAft>
-                <a:spcPts val="0"/>
-              </a:spcAft>
-              <a:buNone/>
-            </a:pPr>
-            <a:r>
-              <a:rPr lang="en">
-                <a:latin typeface="Times New Roman"/>
-                <a:ea typeface="Times New Roman"/>
-                <a:cs typeface="Times New Roman"/>
-                <a:sym typeface="Times New Roman"/>
-              </a:rPr>
-              <a:t>Fast Fourier transform - GW200224_222234</a:t>
-            </a:r>
-            <a:endParaRPr>
-              <a:latin typeface="Times New Roman"/>
-              <a:ea typeface="Times New Roman"/>
-              <a:cs typeface="Times New Roman"/>
-              <a:sym typeface="Times New Roman"/>
-            </a:endParaRPr>
-          </a:p>
-        </p:txBody>
-      </p:sp>
       <p:pic>
         <p:nvPicPr>
-          <p:cNvPr id="69" name="Google Shape;69;p15"/>
-          <p:cNvPicPr preferRelativeResize="0"/>
-          <p:nvPr/>
-        </p:nvPicPr>
-        <p:blipFill>
-          <a:blip r:embed="rId3">
-            <a:alphaModFix/>
-          </a:blip>
-          <a:stretch>
-            <a:fillRect/>
-          </a:stretch>
-        </p:blipFill>
-        <p:spPr>
-          <a:xfrm>
-            <a:off x="2295880" y="1017725"/>
-            <a:ext cx="4552245" cy="3606650"/>
-          </a:xfrm>
-          <a:prstGeom prst="rect">
-            <a:avLst/>
-          </a:prstGeom>
-          <a:noFill/>
-          <a:ln>
-            <a:noFill/>
-          </a:ln>
-        </p:spPr>
-      </p:pic>
-    </p:spTree>
-  </p:cSld>
-  <p:clrMapOvr>
-    <a:masterClrMapping/>
-  </p:clrMapOvr>
-</p:sld>
-</file>
-
-<file path=ppt/slides/slide4.xml><?xml version="1.0" encoding="utf-8"?>
-<p:sld xmlns:a="http://schemas.openxmlformats.org/drawingml/2006/main" xmlns:r="http://schemas.openxmlformats.org/officeDocument/2006/relationships" xmlns:mc="http://schemas.openxmlformats.org/markup-compatibility/2006" xmlns:mv="urn:schemas-microsoft-com:mac:vml" xmlns:p="http://schemas.openxmlformats.org/presentationml/2006/main" xmlns:c="http://schemas.openxmlformats.org/drawingml/2006/chart" xmlns:dgm="http://schemas.openxmlformats.org/drawingml/2006/diagram" xmlns:o="urn:schemas-microsoft-com:office:office" xmlns:v="urn:schemas-microsoft-com:vml" xmlns:pvml="urn:schemas-microsoft-com:office:powerpoint" xmlns:com="http://schemas.openxmlformats.org/drawingml/2006/compatibility" xmlns:p14="http://schemas.microsoft.com/office/powerpoint/2010/main" xmlns:p15="http://schemas.microsoft.com/office/powerpoint/2012/main" xmlns:ahyp="http://schemas.microsoft.com/office/drawing/2018/hyperlinkcolor">
-  <p:cSld>
-    <p:spTree>
-      <p:nvGrpSpPr>
-        <p:cNvPr id="73" name="Shape 73"/>
-        <p:cNvGrpSpPr/>
-        <p:nvPr/>
-      </p:nvGrpSpPr>
-      <p:grpSpPr>
-        <a:xfrm>
-          <a:off x="0" y="0"/>
-          <a:ext cx="0" cy="0"/>
-          <a:chOff x="0" y="0"/>
-          <a:chExt cx="0" cy="0"/>
-        </a:xfrm>
-      </p:grpSpPr>
-      <p:pic>
-        <p:nvPicPr>
-          <p:cNvPr id="74" name="Google Shape;74;p16"/>
-          <p:cNvPicPr preferRelativeResize="0"/>
-          <p:nvPr/>
-        </p:nvPicPr>
-        <p:blipFill>
-          <a:blip r:embed="rId3">
-            <a:alphaModFix/>
-          </a:blip>
-          <a:stretch>
-            <a:fillRect/>
-          </a:stretch>
-        </p:blipFill>
-        <p:spPr>
-          <a:xfrm>
-            <a:off x="837805" y="568201"/>
-            <a:ext cx="7468396" cy="4007075"/>
-          </a:xfrm>
-          <a:prstGeom prst="rect">
-            <a:avLst/>
-          </a:prstGeom>
-          <a:noFill/>
-          <a:ln>
-            <a:noFill/>
-          </a:ln>
-        </p:spPr>
-      </p:pic>
-    </p:spTree>
-  </p:cSld>
-  <p:clrMapOvr>
-    <a:masterClrMapping/>
-  </p:clrMapOvr>
-</p:sld>
-</file>
-
-<file path=ppt/slides/slide5.xml><?xml version="1.0" encoding="utf-8"?>
-<p:sld xmlns:a="http://schemas.openxmlformats.org/drawingml/2006/main" xmlns:r="http://schemas.openxmlformats.org/officeDocument/2006/relationships" xmlns:mc="http://schemas.openxmlformats.org/markup-compatibility/2006" xmlns:mv="urn:schemas-microsoft-com:mac:vml" xmlns:p="http://schemas.openxmlformats.org/presentationml/2006/main" xmlns:c="http://schemas.openxmlformats.org/drawingml/2006/chart" xmlns:dgm="http://schemas.openxmlformats.org/drawingml/2006/diagram" xmlns:o="urn:schemas-microsoft-com:office:office" xmlns:v="urn:schemas-microsoft-com:vml" xmlns:pvml="urn:schemas-microsoft-com:office:powerpoint" xmlns:com="http://schemas.openxmlformats.org/drawingml/2006/compatibility" xmlns:p14="http://schemas.microsoft.com/office/powerpoint/2010/main" xmlns:p15="http://schemas.microsoft.com/office/powerpoint/2012/main" xmlns:ahyp="http://schemas.microsoft.com/office/drawing/2018/hyperlinkcolor">
-  <p:cSld>
-    <p:spTree>
-      <p:nvGrpSpPr>
-        <p:cNvPr id="78" name="Shape 78"/>
-        <p:cNvGrpSpPr/>
-        <p:nvPr/>
-      </p:nvGrpSpPr>
-      <p:grpSpPr>
-        <a:xfrm>
-          <a:off x="0" y="0"/>
-          <a:ext cx="0" cy="0"/>
-          <a:chOff x="0" y="0"/>
-          <a:chExt cx="0" cy="0"/>
-        </a:xfrm>
-      </p:grpSpPr>
-      <p:pic>
-        <p:nvPicPr>
-          <p:cNvPr id="79" name="Google Shape;79;p17"/>
+          <p:cNvPr id="68" name="Google Shape;68;p15"/>
           <p:cNvPicPr preferRelativeResize="0"/>
           <p:nvPr/>
         </p:nvPicPr>
@@ -7557,12 +6574,12 @@
 </p:sld>
 </file>
 
-<file path=ppt/slides/slide6.xml><?xml version="1.0" encoding="utf-8"?>
+<file path=ppt/slides/slide4.xml><?xml version="1.0" encoding="utf-8"?>
 <p:sld xmlns:a="http://schemas.openxmlformats.org/drawingml/2006/main" xmlns:r="http://schemas.openxmlformats.org/officeDocument/2006/relationships" xmlns:mc="http://schemas.openxmlformats.org/markup-compatibility/2006" xmlns:mv="urn:schemas-microsoft-com:mac:vml" xmlns:p="http://schemas.openxmlformats.org/presentationml/2006/main" xmlns:c="http://schemas.openxmlformats.org/drawingml/2006/chart" xmlns:dgm="http://schemas.openxmlformats.org/drawingml/2006/diagram" xmlns:o="urn:schemas-microsoft-com:office:office" xmlns:v="urn:schemas-microsoft-com:vml" xmlns:pvml="urn:schemas-microsoft-com:office:powerpoint" xmlns:com="http://schemas.openxmlformats.org/drawingml/2006/compatibility" xmlns:p14="http://schemas.microsoft.com/office/powerpoint/2010/main" xmlns:p15="http://schemas.microsoft.com/office/powerpoint/2012/main" xmlns:ahyp="http://schemas.microsoft.com/office/drawing/2018/hyperlinkcolor">
   <p:cSld>
     <p:spTree>
       <p:nvGrpSpPr>
-        <p:cNvPr id="83" name="Shape 83"/>
+        <p:cNvPr id="72" name="Shape 72"/>
         <p:cNvGrpSpPr/>
         <p:nvPr/>
       </p:nvGrpSpPr>
@@ -7576,7 +6593,7 @@
       </p:grpSpPr>
       <p:sp>
         <p:nvSpPr>
-          <p:cNvPr id="84" name="Google Shape;84;p18"/>
+          <p:cNvPr id="73" name="Google Shape;73;p16"/>
           <p:cNvSpPr txBox="1"/>
           <p:nvPr>
             <p:ph type="title"/>
@@ -7613,7 +6630,7 @@
                 <a:cs typeface="Times New Roman"/>
                 <a:sym typeface="Times New Roman"/>
               </a:rPr>
-              <a:t>Mass of the Black Holes: Bilby</a:t>
+              <a:t>Fast Fourier transform - GW200224_222234</a:t>
             </a:r>
             <a:endParaRPr>
               <a:latin typeface="Times New Roman"/>
@@ -7624,562 +6641,24 @@
           </a:p>
         </p:txBody>
       </p:sp>
-      <p:sp>
-        <p:nvSpPr>
-          <p:cNvPr id="85" name="Google Shape;85;p18"/>
-          <p:cNvSpPr txBox="1"/>
-          <p:nvPr>
-            <p:ph idx="1" type="body"/>
-          </p:nvPr>
-        </p:nvSpPr>
-        <p:spPr>
-          <a:xfrm>
-            <a:off x="311700" y="1152475"/>
-            <a:ext cx="4260300" cy="3416400"/>
-          </a:xfrm>
-          <a:prstGeom prst="rect">
-            <a:avLst/>
-          </a:prstGeom>
-        </p:spPr>
-        <p:txBody>
-          <a:bodyPr anchorCtr="0" anchor="t" bIns="91425" lIns="91425" spcFirstLastPara="1" rIns="91425" wrap="square" tIns="91425">
-            <a:normAutofit/>
-          </a:bodyPr>
-          <a:lstStyle/>
-          <a:p>
-            <a:pPr indent="0" lvl="0" marL="0" rtl="0" algn="l">
-              <a:spcBef>
-                <a:spcPts val="0"/>
-              </a:spcBef>
-              <a:spcAft>
-                <a:spcPts val="0"/>
-              </a:spcAft>
-              <a:buNone/>
-            </a:pPr>
-            <a:r>
-              <a:rPr lang="en" sz="1600">
-                <a:solidFill>
-                  <a:schemeClr val="dk1"/>
-                </a:solidFill>
-                <a:latin typeface="Times New Roman"/>
-                <a:ea typeface="Times New Roman"/>
-                <a:cs typeface="Times New Roman"/>
-                <a:sym typeface="Times New Roman"/>
-              </a:rPr>
-              <a:t>Priors: Probability distributions for each model parameter</a:t>
-            </a:r>
-            <a:endParaRPr sz="1600">
-              <a:solidFill>
-                <a:schemeClr val="dk1"/>
-              </a:solidFill>
-              <a:latin typeface="Times New Roman"/>
-              <a:ea typeface="Times New Roman"/>
-              <a:cs typeface="Times New Roman"/>
-              <a:sym typeface="Times New Roman"/>
-            </a:endParaRPr>
-          </a:p>
-          <a:p>
-            <a:pPr indent="0" lvl="0" marL="0" rtl="0" algn="l">
-              <a:spcBef>
-                <a:spcPts val="1200"/>
-              </a:spcBef>
-              <a:spcAft>
-                <a:spcPts val="0"/>
-              </a:spcAft>
-              <a:buNone/>
-            </a:pPr>
-            <a:r>
-              <a:rPr lang="en" sz="1600">
-                <a:solidFill>
-                  <a:schemeClr val="dk1"/>
-                </a:solidFill>
-                <a:latin typeface="Times New Roman"/>
-                <a:ea typeface="Times New Roman"/>
-                <a:cs typeface="Times New Roman"/>
-                <a:sym typeface="Times New Roman"/>
-              </a:rPr>
-              <a:t>Bilby: Python library for Bayesian inference, used to estimate parameters of signals from </a:t>
-            </a:r>
-            <a:r>
-              <a:rPr lang="en" sz="1600">
-                <a:solidFill>
-                  <a:schemeClr val="dk1"/>
-                </a:solidFill>
-                <a:latin typeface="Times New Roman"/>
-                <a:ea typeface="Times New Roman"/>
-                <a:cs typeface="Times New Roman"/>
-                <a:sym typeface="Times New Roman"/>
-              </a:rPr>
-              <a:t>gravitational</a:t>
-            </a:r>
-            <a:r>
-              <a:rPr lang="en" sz="1600">
-                <a:solidFill>
-                  <a:schemeClr val="dk1"/>
-                </a:solidFill>
-                <a:latin typeface="Times New Roman"/>
-                <a:ea typeface="Times New Roman"/>
-                <a:cs typeface="Times New Roman"/>
-                <a:sym typeface="Times New Roman"/>
-              </a:rPr>
-              <a:t> waves</a:t>
-            </a:r>
-            <a:endParaRPr sz="1600">
-              <a:solidFill>
-                <a:schemeClr val="dk1"/>
-              </a:solidFill>
-              <a:latin typeface="Times New Roman"/>
-              <a:ea typeface="Times New Roman"/>
-              <a:cs typeface="Times New Roman"/>
-              <a:sym typeface="Times New Roman"/>
-            </a:endParaRPr>
-          </a:p>
-          <a:p>
-            <a:pPr indent="0" lvl="0" marL="0" rtl="0" algn="l">
-              <a:spcBef>
-                <a:spcPts val="1200"/>
-              </a:spcBef>
-              <a:spcAft>
-                <a:spcPts val="0"/>
-              </a:spcAft>
-              <a:buNone/>
-            </a:pPr>
-            <a:r>
-              <a:rPr lang="en" sz="1600">
-                <a:solidFill>
-                  <a:schemeClr val="dk1"/>
-                </a:solidFill>
-                <a:latin typeface="Times New Roman"/>
-                <a:ea typeface="Times New Roman"/>
-                <a:cs typeface="Times New Roman"/>
-                <a:sym typeface="Times New Roman"/>
-              </a:rPr>
-              <a:t>Bayesian inference: Statistical inference used to calculate probability</a:t>
-            </a:r>
-            <a:endParaRPr sz="1600">
-              <a:solidFill>
-                <a:schemeClr val="dk1"/>
-              </a:solidFill>
-              <a:latin typeface="Times New Roman"/>
-              <a:ea typeface="Times New Roman"/>
-              <a:cs typeface="Times New Roman"/>
-              <a:sym typeface="Times New Roman"/>
-            </a:endParaRPr>
-          </a:p>
-          <a:p>
-            <a:pPr indent="0" lvl="0" marL="0" rtl="0" algn="l">
-              <a:spcBef>
-                <a:spcPts val="1200"/>
-              </a:spcBef>
-              <a:spcAft>
-                <a:spcPts val="1200"/>
-              </a:spcAft>
-              <a:buNone/>
-            </a:pPr>
-            <a:r>
-              <a:rPr lang="en" sz="1600">
-                <a:solidFill>
-                  <a:schemeClr val="dk1"/>
-                </a:solidFill>
-                <a:latin typeface="Times New Roman"/>
-                <a:ea typeface="Times New Roman"/>
-                <a:cs typeface="Times New Roman"/>
-                <a:sym typeface="Times New Roman"/>
-              </a:rPr>
-              <a:t>	Compares observed gravitational wave data with generated waveforms.</a:t>
-            </a:r>
-            <a:endParaRPr sz="1600">
-              <a:solidFill>
-                <a:schemeClr val="dk1"/>
-              </a:solidFill>
-              <a:latin typeface="Times New Roman"/>
-              <a:ea typeface="Times New Roman"/>
-              <a:cs typeface="Times New Roman"/>
-              <a:sym typeface="Times New Roman"/>
-            </a:endParaRPr>
-          </a:p>
-        </p:txBody>
-      </p:sp>
       <p:pic>
         <p:nvPicPr>
-          <p:cNvPr id="86" name="Google Shape;86;p18"/>
+          <p:cNvPr id="74" name="Google Shape;74;p16"/>
           <p:cNvPicPr preferRelativeResize="0"/>
           <p:nvPr/>
         </p:nvPicPr>
-        <p:blipFill rotWithShape="1">
+        <p:blipFill>
           <a:blip r:embed="rId3">
             <a:alphaModFix/>
           </a:blip>
-          <a:srcRect b="0" l="8105" r="0" t="0"/>
-          <a:stretch/>
+          <a:stretch>
+            <a:fillRect/>
+          </a:stretch>
         </p:blipFill>
         <p:spPr>
           <a:xfrm>
-            <a:off x="4967025" y="1742463"/>
-            <a:ext cx="4176975" cy="1658563"/>
-          </a:xfrm>
-          <a:prstGeom prst="rect">
-            <a:avLst/>
-          </a:prstGeom>
-          <a:noFill/>
-          <a:ln>
-            <a:noFill/>
-          </a:ln>
-        </p:spPr>
-      </p:pic>
-      <p:sp>
-        <p:nvSpPr>
-          <p:cNvPr id="87" name="Google Shape;87;p18"/>
-          <p:cNvSpPr txBox="1"/>
-          <p:nvPr/>
-        </p:nvSpPr>
-        <p:spPr>
-          <a:xfrm>
-            <a:off x="4925363" y="3401025"/>
-            <a:ext cx="4260300" cy="702600"/>
-          </a:xfrm>
-          <a:prstGeom prst="rect">
-            <a:avLst/>
-          </a:prstGeom>
-          <a:noFill/>
-          <a:ln>
-            <a:noFill/>
-          </a:ln>
-        </p:spPr>
-        <p:txBody>
-          <a:bodyPr anchorCtr="0" anchor="t" bIns="91425" lIns="91425" spcFirstLastPara="1" rIns="91425" wrap="square" tIns="91425">
-            <a:noAutofit/>
-          </a:bodyPr>
-          <a:lstStyle/>
-          <a:p>
-            <a:pPr indent="0" lvl="0" marL="0" rtl="0" algn="l">
-              <a:lnSpc>
-                <a:spcPct val="115000"/>
-              </a:lnSpc>
-              <a:spcBef>
-                <a:spcPts val="0"/>
-              </a:spcBef>
-              <a:spcAft>
-                <a:spcPts val="0"/>
-              </a:spcAft>
-              <a:buClr>
-                <a:schemeClr val="dk1"/>
-              </a:buClr>
-              <a:buSzPts val="1100"/>
-              <a:buFont typeface="Arial"/>
-              <a:buNone/>
-            </a:pPr>
-            <a:r>
-              <a:rPr lang="en" sz="1800">
-                <a:solidFill>
-                  <a:schemeClr val="dk1"/>
-                </a:solidFill>
-                <a:latin typeface="Times New Roman"/>
-                <a:ea typeface="Times New Roman"/>
-                <a:cs typeface="Times New Roman"/>
-                <a:sym typeface="Times New Roman"/>
-              </a:rPr>
-              <a:t>Specifying the time of arrival of the signal</a:t>
-            </a:r>
-            <a:endParaRPr sz="1800">
-              <a:solidFill>
-                <a:schemeClr val="dk1"/>
-              </a:solidFill>
-              <a:latin typeface="Times New Roman"/>
-              <a:ea typeface="Times New Roman"/>
-              <a:cs typeface="Times New Roman"/>
-              <a:sym typeface="Times New Roman"/>
-            </a:endParaRPr>
-          </a:p>
-          <a:p>
-            <a:pPr indent="0" lvl="0" marL="0" rtl="0" algn="l">
-              <a:spcBef>
-                <a:spcPts val="1200"/>
-              </a:spcBef>
-              <a:spcAft>
-                <a:spcPts val="0"/>
-              </a:spcAft>
-              <a:buNone/>
-            </a:pPr>
-            <a:r>
-              <a:t/>
-            </a:r>
-            <a:endParaRPr sz="1800">
-              <a:solidFill>
-                <a:schemeClr val="dk2"/>
-              </a:solidFill>
-            </a:endParaRPr>
-          </a:p>
-        </p:txBody>
-      </p:sp>
-    </p:spTree>
-  </p:cSld>
-  <p:clrMapOvr>
-    <a:masterClrMapping/>
-  </p:clrMapOvr>
-</p:sld>
-</file>
-
-<file path=ppt/slides/slide7.xml><?xml version="1.0" encoding="utf-8"?>
-<p:sld xmlns:a="http://schemas.openxmlformats.org/drawingml/2006/main" xmlns:r="http://schemas.openxmlformats.org/officeDocument/2006/relationships" xmlns:mc="http://schemas.openxmlformats.org/markup-compatibility/2006" xmlns:mv="urn:schemas-microsoft-com:mac:vml" xmlns:p="http://schemas.openxmlformats.org/presentationml/2006/main" xmlns:c="http://schemas.openxmlformats.org/drawingml/2006/chart" xmlns:dgm="http://schemas.openxmlformats.org/drawingml/2006/diagram" xmlns:o="urn:schemas-microsoft-com:office:office" xmlns:v="urn:schemas-microsoft-com:vml" xmlns:pvml="urn:schemas-microsoft-com:office:powerpoint" xmlns:com="http://schemas.openxmlformats.org/drawingml/2006/compatibility" xmlns:p14="http://schemas.microsoft.com/office/powerpoint/2010/main" xmlns:p15="http://schemas.microsoft.com/office/powerpoint/2012/main" xmlns:ahyp="http://schemas.microsoft.com/office/drawing/2018/hyperlinkcolor">
-  <p:cSld>
-    <p:spTree>
-      <p:nvGrpSpPr>
-        <p:cNvPr id="91" name="Shape 91"/>
-        <p:cNvGrpSpPr/>
-        <p:nvPr/>
-      </p:nvGrpSpPr>
-      <p:grpSpPr>
-        <a:xfrm>
-          <a:off x="0" y="0"/>
-          <a:ext cx="0" cy="0"/>
-          <a:chOff x="0" y="0"/>
-          <a:chExt cx="0" cy="0"/>
-        </a:xfrm>
-      </p:grpSpPr>
-      <p:sp>
-        <p:nvSpPr>
-          <p:cNvPr id="92" name="Google Shape;92;p19"/>
-          <p:cNvSpPr txBox="1"/>
-          <p:nvPr>
-            <p:ph type="title"/>
-          </p:nvPr>
-        </p:nvSpPr>
-        <p:spPr>
-          <a:xfrm>
-            <a:off x="311700" y="445025"/>
-            <a:ext cx="8520600" cy="572700"/>
-          </a:xfrm>
-          <a:prstGeom prst="rect">
-            <a:avLst/>
-          </a:prstGeom>
-        </p:spPr>
-        <p:txBody>
-          <a:bodyPr anchorCtr="0" anchor="t" bIns="91425" lIns="91425" spcFirstLastPara="1" rIns="91425" wrap="square" tIns="91425">
-            <a:normAutofit fontScale="90000"/>
-          </a:bodyPr>
-          <a:lstStyle/>
-          <a:p>
-            <a:pPr indent="0" lvl="0" marL="0" rtl="0" algn="l">
-              <a:spcBef>
-                <a:spcPts val="0"/>
-              </a:spcBef>
-              <a:spcAft>
-                <a:spcPts val="0"/>
-              </a:spcAft>
-              <a:buNone/>
-            </a:pPr>
-            <a:r>
-              <a:rPr lang="en">
-                <a:latin typeface="Times New Roman"/>
-                <a:ea typeface="Times New Roman"/>
-                <a:cs typeface="Times New Roman"/>
-                <a:sym typeface="Times New Roman"/>
-              </a:rPr>
-              <a:t>There’s More</a:t>
-            </a:r>
-            <a:endParaRPr>
-              <a:latin typeface="Times New Roman"/>
-              <a:ea typeface="Times New Roman"/>
-              <a:cs typeface="Times New Roman"/>
-              <a:sym typeface="Times New Roman"/>
-            </a:endParaRPr>
-          </a:p>
-        </p:txBody>
-      </p:sp>
-      <p:sp>
-        <p:nvSpPr>
-          <p:cNvPr id="93" name="Google Shape;93;p19"/>
-          <p:cNvSpPr txBox="1"/>
-          <p:nvPr>
-            <p:ph idx="1" type="body"/>
-          </p:nvPr>
-        </p:nvSpPr>
-        <p:spPr>
-          <a:xfrm>
-            <a:off x="311700" y="1152475"/>
-            <a:ext cx="4260300" cy="3416400"/>
-          </a:xfrm>
-          <a:prstGeom prst="rect">
-            <a:avLst/>
-          </a:prstGeom>
-        </p:spPr>
-        <p:txBody>
-          <a:bodyPr anchorCtr="0" anchor="t" bIns="91425" lIns="91425" spcFirstLastPara="1" rIns="91425" wrap="square" tIns="91425">
-            <a:normAutofit/>
-          </a:bodyPr>
-          <a:lstStyle/>
-          <a:p>
-            <a:pPr indent="0" lvl="0" marL="0" rtl="0" algn="l">
-              <a:spcBef>
-                <a:spcPts val="0"/>
-              </a:spcBef>
-              <a:spcAft>
-                <a:spcPts val="0"/>
-              </a:spcAft>
-              <a:buNone/>
-            </a:pPr>
-            <a:r>
-              <a:rPr lang="en" sz="1600">
-                <a:solidFill>
-                  <a:schemeClr val="dk1"/>
-                </a:solidFill>
-                <a:latin typeface="Times New Roman"/>
-                <a:ea typeface="Times New Roman"/>
-                <a:cs typeface="Times New Roman"/>
-                <a:sym typeface="Times New Roman"/>
-              </a:rPr>
-              <a:t>Interferometers: Used to detect and measure gravitational waves</a:t>
-            </a:r>
-            <a:endParaRPr sz="1600">
-              <a:solidFill>
-                <a:schemeClr val="dk1"/>
-              </a:solidFill>
-              <a:latin typeface="Times New Roman"/>
-              <a:ea typeface="Times New Roman"/>
-              <a:cs typeface="Times New Roman"/>
-              <a:sym typeface="Times New Roman"/>
-            </a:endParaRPr>
-          </a:p>
-          <a:p>
-            <a:pPr indent="0" lvl="0" marL="457200" rtl="0" algn="l">
-              <a:spcBef>
-                <a:spcPts val="1200"/>
-              </a:spcBef>
-              <a:spcAft>
-                <a:spcPts val="0"/>
-              </a:spcAft>
-              <a:buNone/>
-            </a:pPr>
-            <a:r>
-              <a:rPr lang="en" sz="1600">
-                <a:solidFill>
-                  <a:schemeClr val="dk1"/>
-                </a:solidFill>
-                <a:latin typeface="Times New Roman"/>
-                <a:ea typeface="Times New Roman"/>
-                <a:cs typeface="Times New Roman"/>
-                <a:sym typeface="Times New Roman"/>
-              </a:rPr>
-              <a:t>Assigning </a:t>
-            </a:r>
-            <a:r>
-              <a:rPr lang="en" sz="1600">
-                <a:solidFill>
-                  <a:schemeClr val="dk1"/>
-                </a:solidFill>
-                <a:latin typeface="Times New Roman"/>
-                <a:ea typeface="Times New Roman"/>
-                <a:cs typeface="Times New Roman"/>
-                <a:sym typeface="Times New Roman"/>
-              </a:rPr>
-              <a:t>both</a:t>
-            </a:r>
-            <a:r>
-              <a:rPr lang="en" sz="1600">
-                <a:solidFill>
-                  <a:schemeClr val="dk1"/>
-                </a:solidFill>
-                <a:latin typeface="Times New Roman"/>
-                <a:ea typeface="Times New Roman"/>
-                <a:cs typeface="Times New Roman"/>
-                <a:sym typeface="Times New Roman"/>
-              </a:rPr>
-              <a:t> the Hanford and Livingston detector</a:t>
-            </a:r>
-            <a:endParaRPr sz="1600">
-              <a:solidFill>
-                <a:schemeClr val="dk1"/>
-              </a:solidFill>
-              <a:latin typeface="Times New Roman"/>
-              <a:ea typeface="Times New Roman"/>
-              <a:cs typeface="Times New Roman"/>
-              <a:sym typeface="Times New Roman"/>
-            </a:endParaRPr>
-          </a:p>
-          <a:p>
-            <a:pPr indent="0" lvl="0" marL="0" rtl="0" algn="l">
-              <a:spcBef>
-                <a:spcPts val="1200"/>
-              </a:spcBef>
-              <a:spcAft>
-                <a:spcPts val="0"/>
-              </a:spcAft>
-              <a:buNone/>
-            </a:pPr>
-            <a:r>
-              <a:rPr lang="en" sz="1600">
-                <a:solidFill>
-                  <a:schemeClr val="dk1"/>
-                </a:solidFill>
-                <a:latin typeface="Times New Roman"/>
-                <a:ea typeface="Times New Roman"/>
-                <a:cs typeface="Times New Roman"/>
-                <a:sym typeface="Times New Roman"/>
-              </a:rPr>
-              <a:t>waveform_argument: specifies parameters that define the waveform being modeled</a:t>
-            </a:r>
-            <a:endParaRPr sz="1600">
-              <a:solidFill>
-                <a:schemeClr val="dk1"/>
-              </a:solidFill>
-              <a:latin typeface="Times New Roman"/>
-              <a:ea typeface="Times New Roman"/>
-              <a:cs typeface="Times New Roman"/>
-              <a:sym typeface="Times New Roman"/>
-            </a:endParaRPr>
-          </a:p>
-          <a:p>
-            <a:pPr indent="0" lvl="0" marL="457200" rtl="0" algn="l">
-              <a:spcBef>
-                <a:spcPts val="1200"/>
-              </a:spcBef>
-              <a:spcAft>
-                <a:spcPts val="1200"/>
-              </a:spcAft>
-              <a:buNone/>
-            </a:pPr>
-            <a:r>
-              <a:rPr lang="en" sz="1600">
-                <a:solidFill>
-                  <a:schemeClr val="dk1"/>
-                </a:solidFill>
-                <a:latin typeface="Times New Roman"/>
-                <a:ea typeface="Times New Roman"/>
-                <a:cs typeface="Times New Roman"/>
-                <a:sym typeface="Times New Roman"/>
-              </a:rPr>
-              <a:t>Allows for more effective parameter estimation</a:t>
-            </a:r>
-            <a:endParaRPr sz="1600">
-              <a:solidFill>
-                <a:schemeClr val="dk1"/>
-              </a:solidFill>
-              <a:latin typeface="Times New Roman"/>
-              <a:ea typeface="Times New Roman"/>
-              <a:cs typeface="Times New Roman"/>
-              <a:sym typeface="Times New Roman"/>
-            </a:endParaRPr>
-          </a:p>
-        </p:txBody>
-      </p:sp>
-      <p:pic>
-        <p:nvPicPr>
-          <p:cNvPr id="94" name="Google Shape;94;p19"/>
-          <p:cNvPicPr preferRelativeResize="0"/>
-          <p:nvPr/>
-        </p:nvPicPr>
-        <p:blipFill rotWithShape="1">
-          <a:blip r:embed="rId3">
-            <a:alphaModFix/>
-          </a:blip>
-          <a:srcRect b="66601" l="0" r="0" t="10258"/>
-          <a:stretch/>
-        </p:blipFill>
-        <p:spPr>
-          <a:xfrm>
-            <a:off x="4572000" y="2845600"/>
-            <a:ext cx="4572000" cy="859325"/>
+            <a:off x="360600" y="1017725"/>
+            <a:ext cx="4211400" cy="3336602"/>
           </a:xfrm>
           <a:prstGeom prst="rect">
             <a:avLst/>
@@ -8192,22 +6671,21 @@
       </p:pic>
       <p:pic>
         <p:nvPicPr>
-          <p:cNvPr id="95" name="Google Shape;95;p19"/>
+          <p:cNvPr id="75" name="Google Shape;75;p16"/>
           <p:cNvPicPr preferRelativeResize="0"/>
           <p:nvPr/>
         </p:nvPicPr>
-        <p:blipFill>
+        <p:blipFill rotWithShape="1">
           <a:blip r:embed="rId4">
             <a:alphaModFix/>
           </a:blip>
-          <a:stretch>
-            <a:fillRect/>
-          </a:stretch>
+          <a:srcRect b="47154" l="0" r="0" t="0"/>
+          <a:stretch/>
         </p:blipFill>
         <p:spPr>
           <a:xfrm>
-            <a:off x="4572000" y="1245400"/>
-            <a:ext cx="4572000" cy="667820"/>
+            <a:off x="4572000" y="1617750"/>
+            <a:ext cx="4572001" cy="1643683"/>
           </a:xfrm>
           <a:prstGeom prst="rect">
             <a:avLst/>
@@ -8226,12 +6704,12 @@
 </p:sld>
 </file>
 
-<file path=ppt/slides/slide8.xml><?xml version="1.0" encoding="utf-8"?>
+<file path=ppt/slides/slide5.xml><?xml version="1.0" encoding="utf-8"?>
 <p:sld xmlns:a="http://schemas.openxmlformats.org/drawingml/2006/main" xmlns:r="http://schemas.openxmlformats.org/officeDocument/2006/relationships" xmlns:mc="http://schemas.openxmlformats.org/markup-compatibility/2006" xmlns:mv="urn:schemas-microsoft-com:mac:vml" xmlns:p="http://schemas.openxmlformats.org/presentationml/2006/main" xmlns:c="http://schemas.openxmlformats.org/drawingml/2006/chart" xmlns:dgm="http://schemas.openxmlformats.org/drawingml/2006/diagram" xmlns:o="urn:schemas-microsoft-com:office:office" xmlns:v="urn:schemas-microsoft-com:vml" xmlns:pvml="urn:schemas-microsoft-com:office:powerpoint" xmlns:com="http://schemas.openxmlformats.org/drawingml/2006/compatibility" xmlns:p14="http://schemas.microsoft.com/office/powerpoint/2010/main" xmlns:p15="http://schemas.microsoft.com/office/powerpoint/2012/main" xmlns:ahyp="http://schemas.microsoft.com/office/drawing/2018/hyperlinkcolor">
   <p:cSld>
     <p:spTree>
       <p:nvGrpSpPr>
-        <p:cNvPr id="99" name="Shape 99"/>
+        <p:cNvPr id="79" name="Shape 79"/>
         <p:cNvGrpSpPr/>
         <p:nvPr/>
       </p:nvGrpSpPr>
@@ -8245,7 +6723,7 @@
       </p:grpSpPr>
       <p:sp>
         <p:nvSpPr>
-          <p:cNvPr id="100" name="Google Shape;100;p20"/>
+          <p:cNvPr id="80" name="Google Shape;80;p17"/>
           <p:cNvSpPr txBox="1"/>
           <p:nvPr>
             <p:ph type="title"/>
@@ -8254,7 +6732,7 @@
         <p:spPr>
           <a:xfrm>
             <a:off x="311700" y="445025"/>
-            <a:ext cx="8520600" cy="572700"/>
+            <a:ext cx="3999900" cy="572700"/>
           </a:xfrm>
           <a:prstGeom prst="rect">
             <a:avLst/>
@@ -8282,16 +6760,7 @@
                 <a:cs typeface="Times New Roman"/>
                 <a:sym typeface="Times New Roman"/>
               </a:rPr>
-              <a:t>2 </a:t>
-            </a:r>
-            <a:r>
-              <a:rPr lang="en">
-                <a:latin typeface="Times New Roman"/>
-                <a:ea typeface="Times New Roman"/>
-                <a:cs typeface="Times New Roman"/>
-                <a:sym typeface="Times New Roman"/>
-              </a:rPr>
-              <a:t>More 2 Furious</a:t>
+              <a:t>Chirp Mass</a:t>
             </a:r>
             <a:endParaRPr>
               <a:latin typeface="Times New Roman"/>
@@ -8302,9 +6771,37 @@
           </a:p>
         </p:txBody>
       </p:sp>
+      <p:pic>
+        <p:nvPicPr>
+          <p:cNvPr id="81" name="Google Shape;81;p17"/>
+          <p:cNvPicPr preferRelativeResize="0"/>
+          <p:nvPr/>
+        </p:nvPicPr>
+        <p:blipFill>
+          <a:blip r:embed="rId3">
+            <a:alphaModFix/>
+          </a:blip>
+          <a:stretch>
+            <a:fillRect/>
+          </a:stretch>
+        </p:blipFill>
+        <p:spPr>
+          <a:xfrm>
+            <a:off x="7482438" y="0"/>
+            <a:ext cx="1661563" cy="616593"/>
+          </a:xfrm>
+          <a:prstGeom prst="rect">
+            <a:avLst/>
+          </a:prstGeom>
+          <a:noFill/>
+          <a:ln>
+            <a:noFill/>
+          </a:ln>
+        </p:spPr>
+      </p:pic>
       <p:sp>
         <p:nvSpPr>
-          <p:cNvPr id="101" name="Google Shape;101;p20"/>
+          <p:cNvPr id="82" name="Google Shape;82;p17"/>
           <p:cNvSpPr txBox="1"/>
           <p:nvPr>
             <p:ph idx="1" type="body"/>
@@ -8313,7 +6810,7 @@
         <p:spPr>
           <a:xfrm>
             <a:off x="311700" y="1152475"/>
-            <a:ext cx="4260300" cy="3416400"/>
+            <a:ext cx="3999900" cy="3416400"/>
           </a:xfrm>
           <a:prstGeom prst="rect">
             <a:avLst/>
@@ -8321,7 +6818,7 @@
         </p:spPr>
         <p:txBody>
           <a:bodyPr anchorCtr="0" anchor="t" bIns="91425" lIns="91425" spcFirstLastPara="1" rIns="91425" wrap="square" tIns="91425">
-            <a:noAutofit/>
+            <a:normAutofit/>
           </a:bodyPr>
           <a:lstStyle/>
           <a:p>
@@ -8335,7 +6832,7 @@
               <a:buNone/>
             </a:pPr>
             <a:r>
-              <a:rPr lang="en" sz="1600">
+              <a:rPr lang="en">
                 <a:solidFill>
                   <a:schemeClr val="dk1"/>
                 </a:solidFill>
@@ -8344,33 +6841,9 @@
                 <a:cs typeface="Times New Roman"/>
                 <a:sym typeface="Times New Roman"/>
               </a:rPr>
-              <a:t>waveform_generator: Responsible for creating </a:t>
+              <a:t>We can also use the peak frequency and the frequency derivative to estimate the chirp mass, which is then a sum of the two masses of the black holes. Because we are still operating with just gwpy, we will continue to assume that the two black holes are the same size.</a:t>
             </a:r>
-            <a:r>
-              <a:rPr lang="en" sz="1600">
-                <a:solidFill>
-                  <a:schemeClr val="dk1"/>
-                </a:solidFill>
-                <a:latin typeface="Times New Roman"/>
-                <a:ea typeface="Times New Roman"/>
-                <a:cs typeface="Times New Roman"/>
-                <a:sym typeface="Times New Roman"/>
-              </a:rPr>
-              <a:t>gravitational</a:t>
-            </a:r>
-            <a:r>
-              <a:rPr lang="en" sz="1600">
-                <a:solidFill>
-                  <a:schemeClr val="dk1"/>
-                </a:solidFill>
-                <a:latin typeface="Times New Roman"/>
-                <a:ea typeface="Times New Roman"/>
-                <a:cs typeface="Times New Roman"/>
-                <a:sym typeface="Times New Roman"/>
-              </a:rPr>
-              <a:t> waveforms</a:t>
-            </a:r>
-            <a:endParaRPr sz="1600">
+            <a:endParaRPr>
               <a:solidFill>
                 <a:schemeClr val="dk1"/>
               </a:solidFill>
@@ -8382,9 +6855,6 @@
           </a:p>
           <a:p>
             <a:pPr indent="0" lvl="0" marL="0" rtl="0" algn="l">
-              <a:lnSpc>
-                <a:spcPct val="135714"/>
-              </a:lnSpc>
               <a:spcBef>
                 <a:spcPts val="1200"/>
               </a:spcBef>
@@ -8394,18 +6864,9 @@
               <a:buNone/>
             </a:pPr>
             <a:r>
-              <a:rPr lang="en" sz="1600">
-                <a:solidFill>
-                  <a:schemeClr val="dk1"/>
-                </a:solidFill>
-                <a:latin typeface="Times New Roman"/>
-                <a:ea typeface="Times New Roman"/>
-                <a:cs typeface="Times New Roman"/>
-                <a:sym typeface="Times New Roman"/>
-              </a:rPr>
-              <a:t>    frequency_domain_source_model=bilby.gw.source.lal_binary_black_hole: Specifies a binary black hole merger model</a:t>
+              <a:t/>
             </a:r>
-            <a:endParaRPr sz="1600">
+            <a:endParaRPr>
               <a:solidFill>
                 <a:schemeClr val="dk1"/>
               </a:solidFill>
@@ -8417,45 +6878,16 @@
           </a:p>
           <a:p>
             <a:pPr indent="0" lvl="0" marL="0" rtl="0" algn="l">
-              <a:lnSpc>
-                <a:spcPct val="135714"/>
-              </a:lnSpc>
-              <a:spcBef>
-                <a:spcPts val="0"/>
-              </a:spcBef>
-              <a:spcAft>
-                <a:spcPts val="0"/>
+              <a:spcBef>
+                <a:spcPts val="1200"/>
+              </a:spcBef>
+              <a:spcAft>
+                <a:spcPts val="1200"/>
               </a:spcAft>
               <a:buNone/>
             </a:pPr>
             <a:r>
-              <a:t/>
-            </a:r>
-            <a:endParaRPr sz="1600">
-              <a:solidFill>
-                <a:schemeClr val="dk1"/>
-              </a:solidFill>
-              <a:latin typeface="Times New Roman"/>
-              <a:ea typeface="Times New Roman"/>
-              <a:cs typeface="Times New Roman"/>
-              <a:sym typeface="Times New Roman"/>
-            </a:endParaRPr>
-          </a:p>
-          <a:p>
-            <a:pPr indent="0" lvl="0" marL="0" rtl="0" algn="l">
-              <a:lnSpc>
-                <a:spcPct val="135714"/>
-              </a:lnSpc>
-              <a:spcBef>
-                <a:spcPts val="0"/>
-              </a:spcBef>
-              <a:spcAft>
-                <a:spcPts val="0"/>
-              </a:spcAft>
-              <a:buNone/>
-            </a:pPr>
-            <a:r>
-              <a:rPr lang="en" sz="1600">
+              <a:rPr lang="en">
                 <a:solidFill>
                   <a:schemeClr val="dk1"/>
                 </a:solidFill>
@@ -8464,10 +6896,10 @@
                 <a:cs typeface="Times New Roman"/>
                 <a:sym typeface="Times New Roman"/>
               </a:rPr>
-              <a:t>Likelihood</a:t>
+              <a:t>Using these formulas we find that both the chirp mass as un</a:t>
             </a:r>
             <a:r>
-              <a:rPr lang="en" sz="1600">
+              <a:rPr lang="en">
                 <a:solidFill>
                   <a:schemeClr val="dk1"/>
                 </a:solidFill>
@@ -8476,56 +6908,19 @@
                 <a:cs typeface="Times New Roman"/>
                 <a:sym typeface="Times New Roman"/>
               </a:rPr>
-              <a:t>: Quantifies how probable the observed data is based on parameter values</a:t>
+              <a:t>reasonably small</a:t>
             </a:r>
-            <a:endParaRPr sz="1600">
-              <a:solidFill>
-                <a:schemeClr val="dk1"/>
-              </a:solidFill>
-              <a:latin typeface="Times New Roman"/>
-              <a:ea typeface="Times New Roman"/>
-              <a:cs typeface="Times New Roman"/>
-              <a:sym typeface="Times New Roman"/>
-            </a:endParaRPr>
-          </a:p>
-          <a:p>
-            <a:pPr indent="0" lvl="0" marL="0" rtl="0" algn="l">
-              <a:lnSpc>
-                <a:spcPct val="135714"/>
-              </a:lnSpc>
-              <a:spcBef>
-                <a:spcPts val="0"/>
-              </a:spcBef>
-              <a:spcAft>
-                <a:spcPts val="0"/>
-              </a:spcAft>
-              <a:buNone/>
-            </a:pPr>
             <a:r>
-              <a:t/>
-            </a:r>
-            <a:endParaRPr sz="1600">
-              <a:solidFill>
-                <a:schemeClr val="dk1"/>
-              </a:solidFill>
-              <a:latin typeface="Times New Roman"/>
-              <a:ea typeface="Times New Roman"/>
-              <a:cs typeface="Times New Roman"/>
-              <a:sym typeface="Times New Roman"/>
-            </a:endParaRPr>
-          </a:p>
-          <a:p>
-            <a:pPr indent="0" lvl="0" marL="0" rtl="0" algn="l">
-              <a:spcBef>
-                <a:spcPts val="0"/>
-              </a:spcBef>
-              <a:spcAft>
-                <a:spcPts val="1200"/>
-              </a:spcAft>
-              <a:buNone/>
-            </a:pPr>
-            <a:r>
-              <a:t/>
+              <a:rPr lang="en">
+                <a:solidFill>
+                  <a:schemeClr val="dk1"/>
+                </a:solidFill>
+                <a:latin typeface="Times New Roman"/>
+                <a:ea typeface="Times New Roman"/>
+                <a:cs typeface="Times New Roman"/>
+                <a:sym typeface="Times New Roman"/>
+              </a:rPr>
+              <a:t> sized, for kilograms. This is because my code is wrong.</a:t>
             </a:r>
             <a:endParaRPr>
               <a:solidFill>
@@ -8541,7 +6936,254 @@
       </p:sp>
       <p:pic>
         <p:nvPicPr>
-          <p:cNvPr id="102" name="Google Shape;102;p20"/>
+          <p:cNvPr id="83" name="Google Shape;83;p17"/>
+          <p:cNvPicPr preferRelativeResize="0"/>
+          <p:nvPr/>
+        </p:nvPicPr>
+        <p:blipFill>
+          <a:blip r:embed="rId4">
+            <a:alphaModFix/>
+          </a:blip>
+          <a:stretch>
+            <a:fillRect/>
+          </a:stretch>
+        </p:blipFill>
+        <p:spPr>
+          <a:xfrm>
+            <a:off x="4311598" y="616598"/>
+            <a:ext cx="4832400" cy="1268408"/>
+          </a:xfrm>
+          <a:prstGeom prst="rect">
+            <a:avLst/>
+          </a:prstGeom>
+          <a:noFill/>
+          <a:ln>
+            <a:noFill/>
+          </a:ln>
+        </p:spPr>
+      </p:pic>
+      <p:pic>
+        <p:nvPicPr>
+          <p:cNvPr id="84" name="Google Shape;84;p17"/>
+          <p:cNvPicPr preferRelativeResize="0"/>
+          <p:nvPr/>
+        </p:nvPicPr>
+        <p:blipFill>
+          <a:blip r:embed="rId5">
+            <a:alphaModFix/>
+          </a:blip>
+          <a:stretch>
+            <a:fillRect/>
+          </a:stretch>
+        </p:blipFill>
+        <p:spPr>
+          <a:xfrm>
+            <a:off x="4311600" y="164900"/>
+            <a:ext cx="2576351" cy="451700"/>
+          </a:xfrm>
+          <a:prstGeom prst="rect">
+            <a:avLst/>
+          </a:prstGeom>
+          <a:noFill/>
+          <a:ln>
+            <a:noFill/>
+          </a:ln>
+        </p:spPr>
+      </p:pic>
+      <p:pic>
+        <p:nvPicPr>
+          <p:cNvPr id="85" name="Google Shape;85;p17"/>
+          <p:cNvPicPr preferRelativeResize="0"/>
+          <p:nvPr/>
+        </p:nvPicPr>
+        <p:blipFill>
+          <a:blip r:embed="rId6">
+            <a:alphaModFix/>
+          </a:blip>
+          <a:stretch>
+            <a:fillRect/>
+          </a:stretch>
+        </p:blipFill>
+        <p:spPr>
+          <a:xfrm>
+            <a:off x="4334488" y="2571745"/>
+            <a:ext cx="4786625" cy="1342425"/>
+          </a:xfrm>
+          <a:prstGeom prst="rect">
+            <a:avLst/>
+          </a:prstGeom>
+          <a:noFill/>
+          <a:ln>
+            <a:noFill/>
+          </a:ln>
+        </p:spPr>
+      </p:pic>
+    </p:spTree>
+  </p:cSld>
+  <p:clrMapOvr>
+    <a:masterClrMapping/>
+  </p:clrMapOvr>
+</p:sld>
+</file>
+
+<file path=ppt/slides/slide6.xml><?xml version="1.0" encoding="utf-8"?>
+<p:sld xmlns:a="http://schemas.openxmlformats.org/drawingml/2006/main" xmlns:r="http://schemas.openxmlformats.org/officeDocument/2006/relationships" xmlns:mc="http://schemas.openxmlformats.org/markup-compatibility/2006" xmlns:mv="urn:schemas-microsoft-com:mac:vml" xmlns:p="http://schemas.openxmlformats.org/presentationml/2006/main" xmlns:c="http://schemas.openxmlformats.org/drawingml/2006/chart" xmlns:dgm="http://schemas.openxmlformats.org/drawingml/2006/diagram" xmlns:o="urn:schemas-microsoft-com:office:office" xmlns:v="urn:schemas-microsoft-com:vml" xmlns:pvml="urn:schemas-microsoft-com:office:powerpoint" xmlns:com="http://schemas.openxmlformats.org/drawingml/2006/compatibility" xmlns:p14="http://schemas.microsoft.com/office/powerpoint/2010/main" xmlns:p15="http://schemas.microsoft.com/office/powerpoint/2012/main" xmlns:ahyp="http://schemas.microsoft.com/office/drawing/2018/hyperlinkcolor">
+  <p:cSld>
+    <p:spTree>
+      <p:nvGrpSpPr>
+        <p:cNvPr id="89" name="Shape 89"/>
+        <p:cNvGrpSpPr/>
+        <p:nvPr/>
+      </p:nvGrpSpPr>
+      <p:grpSpPr>
+        <a:xfrm>
+          <a:off x="0" y="0"/>
+          <a:ext cx="0" cy="0"/>
+          <a:chOff x="0" y="0"/>
+          <a:chExt cx="0" cy="0"/>
+        </a:xfrm>
+      </p:grpSpPr>
+      <p:sp>
+        <p:nvSpPr>
+          <p:cNvPr id="90" name="Google Shape;90;p18"/>
+          <p:cNvSpPr txBox="1"/>
+          <p:nvPr>
+            <p:ph type="title"/>
+          </p:nvPr>
+        </p:nvSpPr>
+        <p:spPr>
+          <a:xfrm>
+            <a:off x="311700" y="445025"/>
+            <a:ext cx="3999900" cy="572700"/>
+          </a:xfrm>
+          <a:prstGeom prst="rect">
+            <a:avLst/>
+          </a:prstGeom>
+        </p:spPr>
+        <p:txBody>
+          <a:bodyPr anchorCtr="0" anchor="t" bIns="91425" lIns="91425" spcFirstLastPara="1" rIns="91425" wrap="square" tIns="91425">
+            <a:normAutofit fontScale="90000"/>
+          </a:bodyPr>
+          <a:lstStyle/>
+          <a:p>
+            <a:pPr indent="0" lvl="0" marL="0" rtl="0" algn="l">
+              <a:spcBef>
+                <a:spcPts val="0"/>
+              </a:spcBef>
+              <a:spcAft>
+                <a:spcPts val="0"/>
+              </a:spcAft>
+              <a:buNone/>
+            </a:pPr>
+            <a:r>
+              <a:rPr lang="en">
+                <a:latin typeface="Times New Roman"/>
+                <a:ea typeface="Times New Roman"/>
+                <a:cs typeface="Times New Roman"/>
+                <a:sym typeface="Times New Roman"/>
+              </a:rPr>
+              <a:t>Distance and Energy Lost</a:t>
+            </a:r>
+            <a:endParaRPr>
+              <a:latin typeface="Times New Roman"/>
+              <a:ea typeface="Times New Roman"/>
+              <a:cs typeface="Times New Roman"/>
+              <a:sym typeface="Times New Roman"/>
+            </a:endParaRPr>
+          </a:p>
+        </p:txBody>
+      </p:sp>
+      <p:sp>
+        <p:nvSpPr>
+          <p:cNvPr id="91" name="Google Shape;91;p18"/>
+          <p:cNvSpPr txBox="1"/>
+          <p:nvPr>
+            <p:ph idx="1" type="body"/>
+          </p:nvPr>
+        </p:nvSpPr>
+        <p:spPr>
+          <a:xfrm>
+            <a:off x="311700" y="1152475"/>
+            <a:ext cx="3999900" cy="3416400"/>
+          </a:xfrm>
+          <a:prstGeom prst="rect">
+            <a:avLst/>
+          </a:prstGeom>
+        </p:spPr>
+        <p:txBody>
+          <a:bodyPr anchorCtr="0" anchor="t" bIns="91425" lIns="91425" spcFirstLastPara="1" rIns="91425" wrap="square" tIns="91425">
+            <a:normAutofit/>
+          </a:bodyPr>
+          <a:lstStyle/>
+          <a:p>
+            <a:pPr indent="0" lvl="0" marL="0" rtl="0" algn="l">
+              <a:spcBef>
+                <a:spcPts val="0"/>
+              </a:spcBef>
+              <a:spcAft>
+                <a:spcPts val="0"/>
+              </a:spcAft>
+              <a:buNone/>
+            </a:pPr>
+            <a:r>
+              <a:rPr lang="en">
+                <a:solidFill>
+                  <a:schemeClr val="dk1"/>
+                </a:solidFill>
+                <a:latin typeface="Times New Roman"/>
+                <a:ea typeface="Times New Roman"/>
+                <a:cs typeface="Times New Roman"/>
+                <a:sym typeface="Times New Roman"/>
+              </a:rPr>
+              <a:t>We can use the chirp mass, peak frequency and the maximum strain to estimate the distance between the black holes and Earth.</a:t>
+            </a:r>
+            <a:endParaRPr>
+              <a:solidFill>
+                <a:schemeClr val="dk1"/>
+              </a:solidFill>
+              <a:latin typeface="Times New Roman"/>
+              <a:ea typeface="Times New Roman"/>
+              <a:cs typeface="Times New Roman"/>
+              <a:sym typeface="Times New Roman"/>
+            </a:endParaRPr>
+          </a:p>
+          <a:p>
+            <a:pPr indent="0" lvl="0" marL="0" rtl="0" algn="l">
+              <a:spcBef>
+                <a:spcPts val="1200"/>
+              </a:spcBef>
+              <a:spcAft>
+                <a:spcPts val="1200"/>
+              </a:spcAft>
+              <a:buNone/>
+            </a:pPr>
+            <a:r>
+              <a:rPr lang="en">
+                <a:solidFill>
+                  <a:schemeClr val="dk1"/>
+                </a:solidFill>
+                <a:latin typeface="Times New Roman"/>
+                <a:ea typeface="Times New Roman"/>
+                <a:cs typeface="Times New Roman"/>
+                <a:sym typeface="Times New Roman"/>
+              </a:rPr>
+              <a:t>Notice how the distance is very large and the energy lost is so small. This is because my code is wrong.</a:t>
+            </a:r>
+            <a:endParaRPr>
+              <a:solidFill>
+                <a:schemeClr val="dk1"/>
+              </a:solidFill>
+              <a:latin typeface="Times New Roman"/>
+              <a:ea typeface="Times New Roman"/>
+              <a:cs typeface="Times New Roman"/>
+              <a:sym typeface="Times New Roman"/>
+            </a:endParaRPr>
+          </a:p>
+        </p:txBody>
+      </p:sp>
+      <p:pic>
+        <p:nvPicPr>
+          <p:cNvPr id="92" name="Google Shape;92;p18"/>
           <p:cNvPicPr preferRelativeResize="0"/>
           <p:nvPr/>
         </p:nvPicPr>
@@ -8555,8 +7197,8 @@
         </p:blipFill>
         <p:spPr>
           <a:xfrm>
-            <a:off x="4876800" y="1460788"/>
-            <a:ext cx="4267200" cy="2221919"/>
+            <a:off x="4616400" y="1017725"/>
+            <a:ext cx="4527599" cy="992103"/>
           </a:xfrm>
           <a:prstGeom prst="rect">
             <a:avLst/>
@@ -8567,16 +7209,24 @@
           </a:ln>
         </p:spPr>
       </p:pic>
-      <p:sp>
-        <p:nvSpPr>
-          <p:cNvPr id="103" name="Google Shape;103;p20"/>
-          <p:cNvSpPr txBox="1"/>
+      <p:pic>
+        <p:nvPicPr>
+          <p:cNvPr id="93" name="Google Shape;93;p18"/>
+          <p:cNvPicPr preferRelativeResize="0"/>
           <p:nvPr/>
-        </p:nvSpPr>
+        </p:nvPicPr>
+        <p:blipFill>
+          <a:blip r:embed="rId4">
+            <a:alphaModFix/>
+          </a:blip>
+          <a:stretch>
+            <a:fillRect/>
+          </a:stretch>
+        </p:blipFill>
         <p:spPr>
           <a:xfrm>
-            <a:off x="4883675" y="3786200"/>
-            <a:ext cx="4260300" cy="797700"/>
+            <a:off x="2480123" y="3038300"/>
+            <a:ext cx="6663875" cy="2105200"/>
           </a:xfrm>
           <a:prstGeom prst="rect">
             <a:avLst/>
@@ -8586,44 +7236,7 @@
             <a:noFill/>
           </a:ln>
         </p:spPr>
-        <p:txBody>
-          <a:bodyPr anchorCtr="0" anchor="t" bIns="91425" lIns="91425" spcFirstLastPara="1" rIns="91425" wrap="square" tIns="91425">
-            <a:noAutofit/>
-          </a:bodyPr>
-          <a:lstStyle/>
-          <a:p>
-            <a:pPr indent="0" lvl="0" marL="0" rtl="0" algn="l">
-              <a:lnSpc>
-                <a:spcPct val="135714"/>
-              </a:lnSpc>
-              <a:spcBef>
-                <a:spcPts val="0"/>
-              </a:spcBef>
-              <a:spcAft>
-                <a:spcPts val="0"/>
-              </a:spcAft>
-              <a:buNone/>
-            </a:pPr>
-            <a:r>
-              <a:rPr lang="en" sz="1600">
-                <a:solidFill>
-                  <a:schemeClr val="dk1"/>
-                </a:solidFill>
-                <a:latin typeface="Times New Roman"/>
-                <a:ea typeface="Times New Roman"/>
-                <a:cs typeface="Times New Roman"/>
-                <a:sym typeface="Times New Roman"/>
-              </a:rPr>
-              <a:t>time_marginalization=False: specifies the time of signal </a:t>
-            </a:r>
-            <a:endParaRPr sz="1800">
-              <a:solidFill>
-                <a:schemeClr val="dk2"/>
-              </a:solidFill>
-            </a:endParaRPr>
-          </a:p>
-        </p:txBody>
-      </p:sp>
+      </p:pic>
     </p:spTree>
   </p:cSld>
   <p:clrMapOvr>
@@ -8632,12 +7245,12 @@
 </p:sld>
 </file>
 
-<file path=ppt/slides/slide9.xml><?xml version="1.0" encoding="utf-8"?>
+<file path=ppt/slides/slide7.xml><?xml version="1.0" encoding="utf-8"?>
 <p:sld xmlns:a="http://schemas.openxmlformats.org/drawingml/2006/main" xmlns:r="http://schemas.openxmlformats.org/officeDocument/2006/relationships" xmlns:mc="http://schemas.openxmlformats.org/markup-compatibility/2006" xmlns:mv="urn:schemas-microsoft-com:mac:vml" xmlns:p="http://schemas.openxmlformats.org/presentationml/2006/main" xmlns:c="http://schemas.openxmlformats.org/drawingml/2006/chart" xmlns:dgm="http://schemas.openxmlformats.org/drawingml/2006/diagram" xmlns:o="urn:schemas-microsoft-com:office:office" xmlns:v="urn:schemas-microsoft-com:vml" xmlns:pvml="urn:schemas-microsoft-com:office:powerpoint" xmlns:com="http://schemas.openxmlformats.org/drawingml/2006/compatibility" xmlns:p14="http://schemas.microsoft.com/office/powerpoint/2010/main" xmlns:p15="http://schemas.microsoft.com/office/powerpoint/2012/main" xmlns:ahyp="http://schemas.microsoft.com/office/drawing/2018/hyperlinkcolor">
   <p:cSld>
     <p:spTree>
       <p:nvGrpSpPr>
-        <p:cNvPr id="107" name="Shape 107"/>
+        <p:cNvPr id="97" name="Shape 97"/>
         <p:cNvGrpSpPr/>
         <p:nvPr/>
       </p:nvGrpSpPr>
@@ -8651,7 +7264,7 @@
       </p:grpSpPr>
       <p:sp>
         <p:nvSpPr>
-          <p:cNvPr id="108" name="Google Shape;108;p21"/>
+          <p:cNvPr id="98" name="Google Shape;98;p19"/>
           <p:cNvSpPr txBox="1"/>
           <p:nvPr>
             <p:ph type="title"/>
@@ -8660,7 +7273,7 @@
         <p:spPr>
           <a:xfrm>
             <a:off x="311700" y="445025"/>
-            <a:ext cx="2010000" cy="572700"/>
+            <a:ext cx="3999900" cy="572700"/>
           </a:xfrm>
           <a:prstGeom prst="rect">
             <a:avLst/>
@@ -8688,7 +7301,7 @@
                 <a:cs typeface="Times New Roman"/>
                 <a:sym typeface="Times New Roman"/>
               </a:rPr>
-              <a:t>The Finale</a:t>
+              <a:t>Conclusion</a:t>
             </a:r>
             <a:endParaRPr>
               <a:latin typeface="Times New Roman"/>
@@ -8699,37 +7312,9 @@
           </a:p>
         </p:txBody>
       </p:sp>
-      <p:pic>
-        <p:nvPicPr>
-          <p:cNvPr id="109" name="Google Shape;109;p21"/>
-          <p:cNvPicPr preferRelativeResize="0"/>
-          <p:nvPr/>
-        </p:nvPicPr>
-        <p:blipFill>
-          <a:blip r:embed="rId3">
-            <a:alphaModFix/>
-          </a:blip>
-          <a:stretch>
-            <a:fillRect/>
-          </a:stretch>
-        </p:blipFill>
-        <p:spPr>
-          <a:xfrm>
-            <a:off x="6486525" y="1609088"/>
-            <a:ext cx="2657475" cy="1925325"/>
-          </a:xfrm>
-          <a:prstGeom prst="rect">
-            <a:avLst/>
-          </a:prstGeom>
-          <a:noFill/>
-          <a:ln>
-            <a:noFill/>
-          </a:ln>
-        </p:spPr>
-      </p:pic>
       <p:sp>
         <p:nvSpPr>
-          <p:cNvPr id="110" name="Google Shape;110;p21"/>
+          <p:cNvPr id="99" name="Google Shape;99;p19"/>
           <p:cNvSpPr txBox="1"/>
           <p:nvPr>
             <p:ph idx="1" type="body"/>
@@ -8738,7 +7323,7 @@
         <p:spPr>
           <a:xfrm>
             <a:off x="311700" y="1152475"/>
-            <a:ext cx="4260300" cy="3416400"/>
+            <a:ext cx="3999900" cy="3416400"/>
           </a:xfrm>
           <a:prstGeom prst="rect">
             <a:avLst/>
@@ -8746,19 +7331,16 @@
         </p:spPr>
         <p:txBody>
           <a:bodyPr anchorCtr="0" anchor="t" bIns="91425" lIns="91425" spcFirstLastPara="1" rIns="91425" wrap="square" tIns="91425">
-            <a:noAutofit/>
+            <a:normAutofit/>
           </a:bodyPr>
           <a:lstStyle/>
           <a:p>
             <a:pPr indent="0" lvl="0" marL="0" rtl="0" algn="l">
-              <a:lnSpc>
-                <a:spcPct val="135714"/>
-              </a:lnSpc>
-              <a:spcBef>
-                <a:spcPts val="0"/>
-              </a:spcBef>
-              <a:spcAft>
-                <a:spcPts val="0"/>
+              <a:spcBef>
+                <a:spcPts val="0"/>
+              </a:spcBef>
+              <a:spcAft>
+                <a:spcPts val="1200"/>
               </a:spcAft>
               <a:buNone/>
             </a:pPr>
@@ -8772,7 +7354,68 @@
                 <a:cs typeface="Times New Roman"/>
                 <a:sym typeface="Times New Roman"/>
               </a:rPr>
-              <a:t>bilby.run_sampler: Executes the sampling algorithm</a:t>
+              <a:t>Black holes are big. Gravitational waves tell us a lot about the universe, such as how far things can be. Measuring the distance of objects in the universe, combined with redshift data, could also help us get a handle on the age of the universe.</a:t>
+            </a:r>
+            <a:endParaRPr sz="1600">
+              <a:solidFill>
+                <a:schemeClr val="dk1"/>
+              </a:solidFill>
+              <a:latin typeface="Times New Roman"/>
+              <a:ea typeface="Times New Roman"/>
+              <a:cs typeface="Times New Roman"/>
+              <a:sym typeface="Times New Roman"/>
+            </a:endParaRPr>
+          </a:p>
+        </p:txBody>
+      </p:sp>
+      <p:sp>
+        <p:nvSpPr>
+          <p:cNvPr id="100" name="Google Shape;100;p19"/>
+          <p:cNvSpPr txBox="1"/>
+          <p:nvPr>
+            <p:ph idx="2" type="body"/>
+          </p:nvPr>
+        </p:nvSpPr>
+        <p:spPr>
+          <a:xfrm>
+            <a:off x="4832400" y="1152475"/>
+            <a:ext cx="3999900" cy="3416400"/>
+          </a:xfrm>
+          <a:prstGeom prst="rect">
+            <a:avLst/>
+          </a:prstGeom>
+        </p:spPr>
+        <p:txBody>
+          <a:bodyPr anchorCtr="0" anchor="t" bIns="91425" lIns="91425" spcFirstLastPara="1" rIns="91425" wrap="square" tIns="91425">
+            <a:normAutofit/>
+          </a:bodyPr>
+          <a:lstStyle/>
+          <a:p>
+            <a:pPr indent="0" lvl="0" marL="0" rtl="0" algn="l">
+              <a:spcBef>
+                <a:spcPts val="0"/>
+              </a:spcBef>
+              <a:spcAft>
+                <a:spcPts val="0"/>
+              </a:spcAft>
+              <a:buClr>
+                <a:schemeClr val="dk1"/>
+              </a:buClr>
+              <a:buSzPts val="1100"/>
+              <a:buFont typeface="Arial"/>
+              <a:buNone/>
+            </a:pPr>
+            <a:r>
+              <a:rPr lang="en" sz="1600">
+                <a:solidFill>
+                  <a:schemeClr val="dk1"/>
+                </a:solidFill>
+                <a:latin typeface="Times New Roman"/>
+                <a:ea typeface="Times New Roman"/>
+                <a:cs typeface="Times New Roman"/>
+                <a:sym typeface="Times New Roman"/>
+              </a:rPr>
+              <a:t>I used AI to generate the peak frequency, frequency derivative, and max strain.</a:t>
             </a:r>
             <a:endParaRPr sz="1600">
               <a:solidFill>
@@ -8786,159 +7429,6 @@
           </a:p>
           <a:p>
             <a:pPr indent="0" lvl="0" marL="0" rtl="0" algn="l">
-              <a:lnSpc>
-                <a:spcPct val="135714"/>
-              </a:lnSpc>
-              <a:spcBef>
-                <a:spcPts val="0"/>
-              </a:spcBef>
-              <a:spcAft>
-                <a:spcPts val="0"/>
-              </a:spcAft>
-              <a:buNone/>
-            </a:pPr>
-            <a:r>
-              <a:rPr lang="en" sz="1600">
-                <a:solidFill>
-                  <a:schemeClr val="dk1"/>
-                </a:solidFill>
-                <a:latin typeface="Times New Roman"/>
-                <a:ea typeface="Times New Roman"/>
-                <a:cs typeface="Times New Roman"/>
-                <a:sym typeface="Times New Roman"/>
-              </a:rPr>
-              <a:t>sampler=’dynesty’: Sampling method </a:t>
-            </a:r>
-            <a:r>
-              <a:rPr lang="en" sz="1600">
-                <a:solidFill>
-                  <a:schemeClr val="dk1"/>
-                </a:solidFill>
-                <a:latin typeface="Times New Roman"/>
-                <a:ea typeface="Times New Roman"/>
-                <a:cs typeface="Times New Roman"/>
-                <a:sym typeface="Times New Roman"/>
-              </a:rPr>
-              <a:t>dynasty</a:t>
-            </a:r>
-            <a:r>
-              <a:rPr lang="en" sz="1600">
-                <a:solidFill>
-                  <a:schemeClr val="dk1"/>
-                </a:solidFill>
-                <a:latin typeface="Times New Roman"/>
-                <a:ea typeface="Times New Roman"/>
-                <a:cs typeface="Times New Roman"/>
-                <a:sym typeface="Times New Roman"/>
-              </a:rPr>
-              <a:t> is common in gravitational wave problems</a:t>
-            </a:r>
-            <a:endParaRPr sz="1600">
-              <a:solidFill>
-                <a:schemeClr val="dk1"/>
-              </a:solidFill>
-              <a:latin typeface="Times New Roman"/>
-              <a:ea typeface="Times New Roman"/>
-              <a:cs typeface="Times New Roman"/>
-              <a:sym typeface="Times New Roman"/>
-            </a:endParaRPr>
-          </a:p>
-          <a:p>
-            <a:pPr indent="0" lvl="0" marL="0" rtl="0" algn="l">
-              <a:lnSpc>
-                <a:spcPct val="135714"/>
-              </a:lnSpc>
-              <a:spcBef>
-                <a:spcPts val="0"/>
-              </a:spcBef>
-              <a:spcAft>
-                <a:spcPts val="0"/>
-              </a:spcAft>
-              <a:buNone/>
-            </a:pPr>
-            <a:r>
-              <a:rPr lang="en" sz="1600">
-                <a:solidFill>
-                  <a:schemeClr val="dk1"/>
-                </a:solidFill>
-                <a:latin typeface="Times New Roman"/>
-                <a:ea typeface="Times New Roman"/>
-                <a:cs typeface="Times New Roman"/>
-                <a:sym typeface="Times New Roman"/>
-              </a:rPr>
-              <a:t>nlive=500: Sets the number of “live points” used by the </a:t>
-            </a:r>
-            <a:r>
-              <a:rPr lang="en" sz="1600">
-                <a:solidFill>
-                  <a:schemeClr val="dk1"/>
-                </a:solidFill>
-                <a:latin typeface="Times New Roman"/>
-                <a:ea typeface="Times New Roman"/>
-                <a:cs typeface="Times New Roman"/>
-                <a:sym typeface="Times New Roman"/>
-              </a:rPr>
-              <a:t>algorithm</a:t>
-            </a:r>
-            <a:r>
-              <a:rPr lang="en" sz="1600">
-                <a:solidFill>
-                  <a:schemeClr val="dk1"/>
-                </a:solidFill>
-                <a:latin typeface="Times New Roman"/>
-                <a:ea typeface="Times New Roman"/>
-                <a:cs typeface="Times New Roman"/>
-                <a:sym typeface="Times New Roman"/>
-              </a:rPr>
-              <a:t>. Basically, the accuracy.</a:t>
-            </a:r>
-            <a:endParaRPr sz="1600">
-              <a:solidFill>
-                <a:schemeClr val="dk1"/>
-              </a:solidFill>
-              <a:latin typeface="Times New Roman"/>
-              <a:ea typeface="Times New Roman"/>
-              <a:cs typeface="Times New Roman"/>
-              <a:sym typeface="Times New Roman"/>
-            </a:endParaRPr>
-          </a:p>
-          <a:p>
-            <a:pPr indent="0" lvl="0" marL="0" rtl="0" algn="l">
-              <a:lnSpc>
-                <a:spcPct val="135714"/>
-              </a:lnSpc>
-              <a:spcBef>
-                <a:spcPts val="0"/>
-              </a:spcBef>
-              <a:spcAft>
-                <a:spcPts val="0"/>
-              </a:spcAft>
-              <a:buNone/>
-            </a:pPr>
-            <a:r>
-              <a:rPr lang="en" sz="1600">
-                <a:solidFill>
-                  <a:schemeClr val="dk1"/>
-                </a:solidFill>
-                <a:latin typeface="Times New Roman"/>
-                <a:ea typeface="Times New Roman"/>
-                <a:cs typeface="Times New Roman"/>
-                <a:sym typeface="Times New Roman"/>
-              </a:rPr>
-              <a:t>outdir=’outdir’: Specifies output directory</a:t>
-            </a:r>
-            <a:endParaRPr sz="1600">
-              <a:solidFill>
-                <a:schemeClr val="dk1"/>
-              </a:solidFill>
-              <a:latin typeface="Times New Roman"/>
-              <a:ea typeface="Times New Roman"/>
-              <a:cs typeface="Times New Roman"/>
-              <a:sym typeface="Times New Roman"/>
-            </a:endParaRPr>
-          </a:p>
-          <a:p>
-            <a:pPr indent="0" lvl="0" marL="0" rtl="0" algn="l">
               <a:spcBef>
                 <a:spcPts val="0"/>
               </a:spcBef>
@@ -8950,7 +7440,7 @@
             <a:r>
               <a:t/>
             </a:r>
-            <a:endParaRPr>
+            <a:endParaRPr sz="1600">
               <a:solidFill>
                 <a:schemeClr val="dk1"/>
               </a:solidFill>
@@ -8964,26 +7454,24 @@
       </p:sp>
       <p:sp>
         <p:nvSpPr>
-          <p:cNvPr id="111" name="Google Shape;111;p21"/>
+          <p:cNvPr id="101" name="Google Shape;101;p19"/>
           <p:cNvSpPr txBox="1"/>
-          <p:nvPr/>
+          <p:nvPr>
+            <p:ph type="title"/>
+          </p:nvPr>
         </p:nvSpPr>
         <p:spPr>
           <a:xfrm>
-            <a:off x="6486563" y="3583775"/>
-            <a:ext cx="2657400" cy="461700"/>
+            <a:off x="4832400" y="445025"/>
+            <a:ext cx="3999900" cy="572700"/>
           </a:xfrm>
           <a:prstGeom prst="rect">
             <a:avLst/>
           </a:prstGeom>
-          <a:noFill/>
-          <a:ln>
-            <a:noFill/>
-          </a:ln>
         </p:spPr>
         <p:txBody>
           <a:bodyPr anchorCtr="0" anchor="t" bIns="91425" lIns="91425" spcFirstLastPara="1" rIns="91425" wrap="square" tIns="91425">
-            <a:spAutoFit/>
+            <a:normAutofit fontScale="90000"/>
           </a:bodyPr>
           <a:lstStyle/>
           <a:p>
@@ -8997,21 +7485,15 @@
               <a:buNone/>
             </a:pPr>
             <a:r>
-              <a:rPr lang="en" sz="1800">
-                <a:solidFill>
-                  <a:schemeClr val="dk1"/>
-                </a:solidFill>
+              <a:rPr lang="en">
                 <a:latin typeface="Times New Roman"/>
                 <a:ea typeface="Times New Roman"/>
                 <a:cs typeface="Times New Roman"/>
                 <a:sym typeface="Times New Roman"/>
               </a:rPr>
-              <a:t>Hey, what’s that red line…</a:t>
+              <a:t>AI Acknowledgement</a:t>
             </a:r>
-            <a:endParaRPr sz="1800">
-              <a:solidFill>
-                <a:schemeClr val="dk1"/>
-              </a:solidFill>
+            <a:endParaRPr>
               <a:latin typeface="Times New Roman"/>
               <a:ea typeface="Times New Roman"/>
               <a:cs typeface="Times New Roman"/>

--- a/Grav Wave/Gravitational Waves.pptx
+++ b/Grav Wave/Gravitational Waves.pptx
@@ -1103,7 +1103,7 @@
   <p:cSld>
     <p:spTree>
       <p:nvGrpSpPr>
-        <p:cNvPr id="76" name="Shape 76"/>
+        <p:cNvPr id="77" name="Shape 77"/>
         <p:cNvGrpSpPr/>
         <p:nvPr/>
       </p:nvGrpSpPr>
@@ -1117,7 +1117,7 @@
       </p:grpSpPr>
       <p:sp>
         <p:nvSpPr>
-          <p:cNvPr id="77" name="Google Shape;77;g303aa8e2319_1_2:notes"/>
+          <p:cNvPr id="78" name="Google Shape;78;g303aa8e2319_1_2:notes"/>
           <p:cNvSpPr/>
           <p:nvPr>
             <p:ph idx="2" type="sldImg"/>
@@ -1152,7 +1152,7 @@
       </p:sp>
       <p:sp>
         <p:nvSpPr>
-          <p:cNvPr id="78" name="Google Shape;78;g303aa8e2319_1_2:notes"/>
+          <p:cNvPr id="79" name="Google Shape;79;g303aa8e2319_1_2:notes"/>
           <p:cNvSpPr txBox="1"/>
           <p:nvPr>
             <p:ph idx="1" type="body"/>
@@ -1202,7 +1202,7 @@
   <p:cSld>
     <p:spTree>
       <p:nvGrpSpPr>
-        <p:cNvPr id="86" name="Shape 86"/>
+        <p:cNvPr id="90" name="Shape 90"/>
         <p:cNvGrpSpPr/>
         <p:nvPr/>
       </p:nvGrpSpPr>
@@ -1216,7 +1216,7 @@
       </p:grpSpPr>
       <p:sp>
         <p:nvSpPr>
-          <p:cNvPr id="87" name="Google Shape;87;g303aa8e1859_0_22:notes"/>
+          <p:cNvPr id="91" name="Google Shape;91;g303aa8e1859_0_22:notes"/>
           <p:cNvSpPr/>
           <p:nvPr>
             <p:ph idx="2" type="sldImg"/>
@@ -1251,7 +1251,7 @@
       </p:sp>
       <p:sp>
         <p:nvSpPr>
-          <p:cNvPr id="88" name="Google Shape;88;g303aa8e1859_0_22:notes"/>
+          <p:cNvPr id="92" name="Google Shape;92;g303aa8e1859_0_22:notes"/>
           <p:cNvSpPr txBox="1"/>
           <p:nvPr>
             <p:ph idx="1" type="body"/>
@@ -1301,7 +1301,7 @@
   <p:cSld>
     <p:spTree>
       <p:nvGrpSpPr>
-        <p:cNvPr id="94" name="Shape 94"/>
+        <p:cNvPr id="98" name="Shape 98"/>
         <p:cNvGrpSpPr/>
         <p:nvPr/>
       </p:nvGrpSpPr>
@@ -1315,7 +1315,7 @@
       </p:grpSpPr>
       <p:sp>
         <p:nvSpPr>
-          <p:cNvPr id="95" name="Google Shape;95;g311235bb2c4_0_94:notes"/>
+          <p:cNvPr id="99" name="Google Shape;99;g311235bb2c4_0_94:notes"/>
           <p:cNvSpPr/>
           <p:nvPr>
             <p:ph idx="2" type="sldImg"/>
@@ -1350,7 +1350,7 @@
       </p:sp>
       <p:sp>
         <p:nvSpPr>
-          <p:cNvPr id="96" name="Google Shape;96;g311235bb2c4_0_94:notes"/>
+          <p:cNvPr id="100" name="Google Shape;100;g311235bb2c4_0_94:notes"/>
           <p:cNvSpPr txBox="1"/>
           <p:nvPr>
             <p:ph idx="1" type="body"/>
@@ -6377,73 +6377,6 @@
                 <a:spcPts val="1200"/>
               </a:spcBef>
               <a:spcAft>
-                <a:spcPts val="0"/>
-              </a:spcAft>
-              <a:buNone/>
-            </a:pPr>
-            <a:r>
-              <a:t/>
-            </a:r>
-            <a:endParaRPr>
-              <a:solidFill>
-                <a:schemeClr val="dk1"/>
-              </a:solidFill>
-              <a:latin typeface="Times New Roman"/>
-              <a:ea typeface="Times New Roman"/>
-              <a:cs typeface="Times New Roman"/>
-              <a:sym typeface="Times New Roman"/>
-            </a:endParaRPr>
-          </a:p>
-          <a:p>
-            <a:pPr indent="0" lvl="0" marL="0" rtl="0" algn="l">
-              <a:spcBef>
-                <a:spcPts val="1200"/>
-              </a:spcBef>
-              <a:spcAft>
-                <a:spcPts val="0"/>
-              </a:spcAft>
-              <a:buNone/>
-            </a:pPr>
-            <a:r>
-              <a:rPr lang="en">
-                <a:solidFill>
-                  <a:schemeClr val="dk1"/>
-                </a:solidFill>
-                <a:latin typeface="Times New Roman"/>
-                <a:ea typeface="Times New Roman"/>
-                <a:cs typeface="Times New Roman"/>
-                <a:sym typeface="Times New Roman"/>
-              </a:rPr>
-              <a:t>Chirp Mass = (</a:t>
-            </a:r>
-            <a:r>
-              <a:rPr lang="en">
-                <a:solidFill>
-                  <a:schemeClr val="dk1"/>
-                </a:solidFill>
-                <a:latin typeface="Times New Roman"/>
-                <a:ea typeface="Times New Roman"/>
-                <a:cs typeface="Times New Roman"/>
-                <a:sym typeface="Times New Roman"/>
-              </a:rPr>
-              <a:t>c^3 * peak frequency)/ (pi * G)</a:t>
-            </a:r>
-            <a:endParaRPr>
-              <a:solidFill>
-                <a:schemeClr val="dk1"/>
-              </a:solidFill>
-              <a:latin typeface="Times New Roman"/>
-              <a:ea typeface="Times New Roman"/>
-              <a:cs typeface="Times New Roman"/>
-              <a:sym typeface="Times New Roman"/>
-            </a:endParaRPr>
-          </a:p>
-          <a:p>
-            <a:pPr indent="0" lvl="0" marL="0" rtl="0" algn="l">
-              <a:spcBef>
-                <a:spcPts val="1200"/>
-              </a:spcBef>
-              <a:spcAft>
                 <a:spcPts val="1200"/>
               </a:spcAft>
               <a:buNone/>
@@ -6696,6 +6629,34 @@
           </a:ln>
         </p:spPr>
       </p:pic>
+      <p:pic>
+        <p:nvPicPr>
+          <p:cNvPr id="76" name="Google Shape;76;p16"/>
+          <p:cNvPicPr preferRelativeResize="0"/>
+          <p:nvPr/>
+        </p:nvPicPr>
+        <p:blipFill>
+          <a:blip r:embed="rId5">
+            <a:alphaModFix/>
+          </a:blip>
+          <a:stretch>
+            <a:fillRect/>
+          </a:stretch>
+        </p:blipFill>
+        <p:spPr>
+          <a:xfrm>
+            <a:off x="5353051" y="3370233"/>
+            <a:ext cx="3790950" cy="619125"/>
+          </a:xfrm>
+          <a:prstGeom prst="rect">
+            <a:avLst/>
+          </a:prstGeom>
+          <a:noFill/>
+          <a:ln>
+            <a:noFill/>
+          </a:ln>
+        </p:spPr>
+      </p:pic>
     </p:spTree>
   </p:cSld>
   <p:clrMapOvr>
@@ -6709,7 +6670,7 @@
   <p:cSld>
     <p:spTree>
       <p:nvGrpSpPr>
-        <p:cNvPr id="79" name="Shape 79"/>
+        <p:cNvPr id="80" name="Shape 80"/>
         <p:cNvGrpSpPr/>
         <p:nvPr/>
       </p:nvGrpSpPr>
@@ -6723,7 +6684,7 @@
       </p:grpSpPr>
       <p:sp>
         <p:nvSpPr>
-          <p:cNvPr id="80" name="Google Shape;80;p17"/>
+          <p:cNvPr id="81" name="Google Shape;81;p17"/>
           <p:cNvSpPr txBox="1"/>
           <p:nvPr>
             <p:ph type="title"/>
@@ -6760,7 +6721,7 @@
                 <a:cs typeface="Times New Roman"/>
                 <a:sym typeface="Times New Roman"/>
               </a:rPr>
-              <a:t>Chirp Mass</a:t>
+              <a:t>Black Hole Mass</a:t>
             </a:r>
             <a:endParaRPr>
               <a:latin typeface="Times New Roman"/>
@@ -6771,34 +6732,6 @@
           </a:p>
         </p:txBody>
       </p:sp>
-      <p:pic>
-        <p:nvPicPr>
-          <p:cNvPr id="81" name="Google Shape;81;p17"/>
-          <p:cNvPicPr preferRelativeResize="0"/>
-          <p:nvPr/>
-        </p:nvPicPr>
-        <p:blipFill>
-          <a:blip r:embed="rId3">
-            <a:alphaModFix/>
-          </a:blip>
-          <a:stretch>
-            <a:fillRect/>
-          </a:stretch>
-        </p:blipFill>
-        <p:spPr>
-          <a:xfrm>
-            <a:off x="7482438" y="0"/>
-            <a:ext cx="1661563" cy="616593"/>
-          </a:xfrm>
-          <a:prstGeom prst="rect">
-            <a:avLst/>
-          </a:prstGeom>
-          <a:noFill/>
-          <a:ln>
-            <a:noFill/>
-          </a:ln>
-        </p:spPr>
-      </p:pic>
       <p:sp>
         <p:nvSpPr>
           <p:cNvPr id="82" name="Google Shape;82;p17"/>
@@ -6810,7 +6743,7 @@
         <p:spPr>
           <a:xfrm>
             <a:off x="311700" y="1152475"/>
-            <a:ext cx="3999900" cy="3416400"/>
+            <a:ext cx="3999900" cy="1353600"/>
           </a:xfrm>
           <a:prstGeom prst="rect">
             <a:avLst/>
@@ -6827,7 +6760,7 @@
                 <a:spcPts val="0"/>
               </a:spcBef>
               <a:spcAft>
-                <a:spcPts val="0"/>
+                <a:spcPts val="1200"/>
               </a:spcAft>
               <a:buNone/>
             </a:pPr>
@@ -6841,62 +6774,7 @@
                 <a:cs typeface="Times New Roman"/>
                 <a:sym typeface="Times New Roman"/>
               </a:rPr>
-              <a:t>We can also use the peak frequency and the frequency derivative to estimate the chirp mass, which is then a sum of the two masses of the black holes. Because we are still operating with just gwpy, we will continue to assume that the two black holes are the same size.</a:t>
-            </a:r>
-            <a:endParaRPr>
-              <a:solidFill>
-                <a:schemeClr val="dk1"/>
-              </a:solidFill>
-              <a:latin typeface="Times New Roman"/>
-              <a:ea typeface="Times New Roman"/>
-              <a:cs typeface="Times New Roman"/>
-              <a:sym typeface="Times New Roman"/>
-            </a:endParaRPr>
-          </a:p>
-          <a:p>
-            <a:pPr indent="0" lvl="0" marL="0" rtl="0" algn="l">
-              <a:spcBef>
-                <a:spcPts val="1200"/>
-              </a:spcBef>
-              <a:spcAft>
-                <a:spcPts val="0"/>
-              </a:spcAft>
-              <a:buNone/>
-            </a:pPr>
-            <a:r>
-              <a:t/>
-            </a:r>
-            <a:endParaRPr>
-              <a:solidFill>
-                <a:schemeClr val="dk1"/>
-              </a:solidFill>
-              <a:latin typeface="Times New Roman"/>
-              <a:ea typeface="Times New Roman"/>
-              <a:cs typeface="Times New Roman"/>
-              <a:sym typeface="Times New Roman"/>
-            </a:endParaRPr>
-          </a:p>
-          <a:p>
-            <a:pPr indent="0" lvl="0" marL="0" rtl="0" algn="l">
-              <a:spcBef>
-                <a:spcPts val="1200"/>
-              </a:spcBef>
-              <a:spcAft>
-                <a:spcPts val="1200"/>
-              </a:spcAft>
-              <a:buNone/>
-            </a:pPr>
-            <a:r>
-              <a:rPr lang="en">
-                <a:solidFill>
-                  <a:schemeClr val="dk1"/>
-                </a:solidFill>
-                <a:latin typeface="Times New Roman"/>
-                <a:ea typeface="Times New Roman"/>
-                <a:cs typeface="Times New Roman"/>
-                <a:sym typeface="Times New Roman"/>
-              </a:rPr>
-              <a:t>Using these formulas we find that both the chirp mass as un</a:t>
+              <a:t>We can also use the peak frequency to derive the orbital period, which can be used with the orbital velocity and </a:t>
             </a:r>
             <a:r>
               <a:rPr lang="en">
@@ -6908,7 +6786,7 @@
                 <a:cs typeface="Times New Roman"/>
                 <a:sym typeface="Times New Roman"/>
               </a:rPr>
-              <a:t>reasonably small</a:t>
+              <a:t>Schwarzschild</a:t>
             </a:r>
             <a:r>
               <a:rPr lang="en">
@@ -6920,7 +6798,19 @@
                 <a:cs typeface="Times New Roman"/>
                 <a:sym typeface="Times New Roman"/>
               </a:rPr>
-              <a:t> sized, for kilograms. This is because my code is wrong.</a:t>
+              <a:t> </a:t>
+            </a:r>
+            <a:r>
+              <a:rPr lang="en">
+                <a:solidFill>
+                  <a:schemeClr val="dk1"/>
+                </a:solidFill>
+                <a:latin typeface="Times New Roman"/>
+                <a:ea typeface="Times New Roman"/>
+                <a:cs typeface="Times New Roman"/>
+                <a:sym typeface="Times New Roman"/>
+              </a:rPr>
+              <a:t>radius formula to get </a:t>
             </a:r>
             <a:endParaRPr>
               <a:solidFill>
@@ -6941,7 +6831,7 @@
           <p:nvPr/>
         </p:nvPicPr>
         <p:blipFill>
-          <a:blip r:embed="rId4">
+          <a:blip r:embed="rId3">
             <a:alphaModFix/>
           </a:blip>
           <a:stretch>
@@ -6950,8 +6840,8 @@
         </p:blipFill>
         <p:spPr>
           <a:xfrm>
-            <a:off x="4311598" y="616598"/>
-            <a:ext cx="4832400" cy="1268408"/>
+            <a:off x="311700" y="1965525"/>
+            <a:ext cx="1053775" cy="477800"/>
           </a:xfrm>
           <a:prstGeom prst="rect">
             <a:avLst/>
@@ -6969,6 +6859,164 @@
           <p:nvPr/>
         </p:nvPicPr>
         <p:blipFill>
+          <a:blip r:embed="rId4">
+            <a:alphaModFix/>
+          </a:blip>
+          <a:stretch>
+            <a:fillRect/>
+          </a:stretch>
+        </p:blipFill>
+        <p:spPr>
+          <a:xfrm>
+            <a:off x="311700" y="2505950"/>
+            <a:ext cx="4055451" cy="1910425"/>
+          </a:xfrm>
+          <a:prstGeom prst="rect">
+            <a:avLst/>
+          </a:prstGeom>
+          <a:noFill/>
+          <a:ln>
+            <a:noFill/>
+          </a:ln>
+        </p:spPr>
+      </p:pic>
+      <p:sp>
+        <p:nvSpPr>
+          <p:cNvPr id="85" name="Google Shape;85;p17"/>
+          <p:cNvSpPr txBox="1"/>
+          <p:nvPr>
+            <p:ph idx="1" type="body"/>
+          </p:nvPr>
+        </p:nvSpPr>
+        <p:spPr>
+          <a:xfrm>
+            <a:off x="4782300" y="1152475"/>
+            <a:ext cx="3999900" cy="1419300"/>
+          </a:xfrm>
+          <a:prstGeom prst="rect">
+            <a:avLst/>
+          </a:prstGeom>
+        </p:spPr>
+        <p:txBody>
+          <a:bodyPr anchorCtr="0" anchor="t" bIns="91425" lIns="91425" spcFirstLastPara="1" rIns="91425" wrap="square" tIns="91425">
+            <a:normAutofit/>
+          </a:bodyPr>
+          <a:lstStyle/>
+          <a:p>
+            <a:pPr indent="0" lvl="0" marL="0" rtl="0" algn="l">
+              <a:spcBef>
+                <a:spcPts val="0"/>
+              </a:spcBef>
+              <a:spcAft>
+                <a:spcPts val="1200"/>
+              </a:spcAft>
+              <a:buNone/>
+            </a:pPr>
+            <a:r>
+              <a:rPr lang="en">
+                <a:solidFill>
+                  <a:schemeClr val="dk1"/>
+                </a:solidFill>
+                <a:latin typeface="Times New Roman"/>
+                <a:ea typeface="Times New Roman"/>
+                <a:cs typeface="Times New Roman"/>
+                <a:sym typeface="Times New Roman"/>
+              </a:rPr>
+              <a:t>We can also use the mass of the black holes and the </a:t>
+            </a:r>
+            <a:r>
+              <a:rPr lang="en">
+                <a:solidFill>
+                  <a:schemeClr val="dk1"/>
+                </a:solidFill>
+                <a:latin typeface="Times New Roman"/>
+                <a:ea typeface="Times New Roman"/>
+                <a:cs typeface="Times New Roman"/>
+                <a:sym typeface="Times New Roman"/>
+              </a:rPr>
+              <a:t>Schwarzschild</a:t>
+            </a:r>
+            <a:r>
+              <a:rPr lang="en">
+                <a:solidFill>
+                  <a:schemeClr val="dk1"/>
+                </a:solidFill>
+                <a:latin typeface="Times New Roman"/>
+                <a:ea typeface="Times New Roman"/>
+                <a:cs typeface="Times New Roman"/>
+                <a:sym typeface="Times New Roman"/>
+              </a:rPr>
+              <a:t> radius formula again to get</a:t>
+            </a:r>
+            <a:endParaRPr>
+              <a:solidFill>
+                <a:schemeClr val="dk1"/>
+              </a:solidFill>
+              <a:latin typeface="Times New Roman"/>
+              <a:ea typeface="Times New Roman"/>
+              <a:cs typeface="Times New Roman"/>
+              <a:sym typeface="Times New Roman"/>
+            </a:endParaRPr>
+          </a:p>
+        </p:txBody>
+      </p:sp>
+      <p:sp>
+        <p:nvSpPr>
+          <p:cNvPr id="86" name="Google Shape;86;p17"/>
+          <p:cNvSpPr txBox="1"/>
+          <p:nvPr>
+            <p:ph type="title"/>
+          </p:nvPr>
+        </p:nvSpPr>
+        <p:spPr>
+          <a:xfrm>
+            <a:off x="4782300" y="579775"/>
+            <a:ext cx="3999900" cy="572700"/>
+          </a:xfrm>
+          <a:prstGeom prst="rect">
+            <a:avLst/>
+          </a:prstGeom>
+        </p:spPr>
+        <p:txBody>
+          <a:bodyPr anchorCtr="0" anchor="t" bIns="91425" lIns="91425" spcFirstLastPara="1" rIns="91425" wrap="square" tIns="91425">
+            <a:normAutofit fontScale="90000"/>
+          </a:bodyPr>
+          <a:lstStyle/>
+          <a:p>
+            <a:pPr indent="0" lvl="0" marL="0" rtl="0" algn="l">
+              <a:spcBef>
+                <a:spcPts val="0"/>
+              </a:spcBef>
+              <a:spcAft>
+                <a:spcPts val="0"/>
+              </a:spcAft>
+              <a:buNone/>
+            </a:pPr>
+            <a:r>
+              <a:rPr lang="en">
+                <a:latin typeface="Times New Roman"/>
+                <a:ea typeface="Times New Roman"/>
+                <a:cs typeface="Times New Roman"/>
+                <a:sym typeface="Times New Roman"/>
+              </a:rPr>
+              <a:t>Black Hole Distance</a:t>
+            </a:r>
+            <a:endParaRPr>
+              <a:latin typeface="Times New Roman"/>
+              <a:ea typeface="Times New Roman"/>
+              <a:cs typeface="Times New Roman"/>
+              <a:sym typeface="Times New Roman"/>
+            </a:endParaRPr>
+          </a:p>
+        </p:txBody>
+      </p:sp>
+      <p:pic>
+        <p:nvPicPr>
+          <p:cNvPr id="87" name="Google Shape;87;p17"/>
+          <p:cNvPicPr preferRelativeResize="0"/>
+          <p:nvPr/>
+        </p:nvPicPr>
+        <p:blipFill>
           <a:blip r:embed="rId5">
             <a:alphaModFix/>
           </a:blip>
@@ -6978,8 +7026,8 @@
         </p:blipFill>
         <p:spPr>
           <a:xfrm>
-            <a:off x="4311600" y="164900"/>
-            <a:ext cx="2576351" cy="451700"/>
+            <a:off x="4782297" y="1965525"/>
+            <a:ext cx="1151064" cy="477800"/>
           </a:xfrm>
           <a:prstGeom prst="rect">
             <a:avLst/>
@@ -6992,7 +7040,7 @@
       </p:pic>
       <p:pic>
         <p:nvPicPr>
-          <p:cNvPr id="85" name="Google Shape;85;p17"/>
+          <p:cNvPr id="88" name="Google Shape;88;p17"/>
           <p:cNvPicPr preferRelativeResize="0"/>
           <p:nvPr/>
         </p:nvPicPr>
@@ -7006,8 +7054,36 @@
         </p:blipFill>
         <p:spPr>
           <a:xfrm>
-            <a:off x="4334488" y="2571745"/>
-            <a:ext cx="4786625" cy="1342425"/>
+            <a:off x="6060775" y="1979734"/>
+            <a:ext cx="1151050" cy="449378"/>
+          </a:xfrm>
+          <a:prstGeom prst="rect">
+            <a:avLst/>
+          </a:prstGeom>
+          <a:noFill/>
+          <a:ln>
+            <a:noFill/>
+          </a:ln>
+        </p:spPr>
+      </p:pic>
+      <p:pic>
+        <p:nvPicPr>
+          <p:cNvPr id="89" name="Google Shape;89;p17"/>
+          <p:cNvPicPr preferRelativeResize="0"/>
+          <p:nvPr/>
+        </p:nvPicPr>
+        <p:blipFill>
+          <a:blip r:embed="rId7">
+            <a:alphaModFix/>
+          </a:blip>
+          <a:stretch>
+            <a:fillRect/>
+          </a:stretch>
+        </p:blipFill>
+        <p:spPr>
+          <a:xfrm>
+            <a:off x="4708051" y="2443325"/>
+            <a:ext cx="4148407" cy="2266925"/>
           </a:xfrm>
           <a:prstGeom prst="rect">
             <a:avLst/>
@@ -7031,7 +7107,7 @@
   <p:cSld>
     <p:spTree>
       <p:nvGrpSpPr>
-        <p:cNvPr id="89" name="Shape 89"/>
+        <p:cNvPr id="93" name="Shape 93"/>
         <p:cNvGrpSpPr/>
         <p:nvPr/>
       </p:nvGrpSpPr>
@@ -7045,7 +7121,7 @@
       </p:grpSpPr>
       <p:sp>
         <p:nvSpPr>
-          <p:cNvPr id="90" name="Google Shape;90;p18"/>
+          <p:cNvPr id="94" name="Google Shape;94;p18"/>
           <p:cNvSpPr txBox="1"/>
           <p:nvPr>
             <p:ph type="title"/>
@@ -7082,7 +7158,7 @@
                 <a:cs typeface="Times New Roman"/>
                 <a:sym typeface="Times New Roman"/>
               </a:rPr>
-              <a:t>Distance and Energy Lost</a:t>
+              <a:t>Energy Lost</a:t>
             </a:r>
             <a:endParaRPr>
               <a:latin typeface="Times New Roman"/>
@@ -7095,7 +7171,7 @@
       </p:sp>
       <p:sp>
         <p:nvSpPr>
-          <p:cNvPr id="91" name="Google Shape;91;p18"/>
+          <p:cNvPr id="95" name="Google Shape;95;p18"/>
           <p:cNvSpPr txBox="1"/>
           <p:nvPr>
             <p:ph idx="1" type="body"/>
@@ -7135,7 +7211,7 @@
                 <a:cs typeface="Times New Roman"/>
                 <a:sym typeface="Times New Roman"/>
               </a:rPr>
-              <a:t>We can use the chirp mass, peak frequency and the maximum strain to estimate the distance between the black holes and Earth.</a:t>
+              <a:t>We can use Einstein’s formula to estimate the amount of energy released in the black hole merger.</a:t>
             </a:r>
             <a:endParaRPr>
               <a:solidFill>
@@ -7158,16 +7234,7 @@
               <a:buNone/>
             </a:pPr>
             <a:r>
-              <a:rPr lang="en">
-                <a:solidFill>
-                  <a:schemeClr val="dk1"/>
-                </a:solidFill>
-                <a:latin typeface="Times New Roman"/>
-                <a:ea typeface="Times New Roman"/>
-                <a:cs typeface="Times New Roman"/>
-                <a:sym typeface="Times New Roman"/>
-              </a:rPr>
-              <a:t>Notice how the distance is very large and the energy lost is so small. This is because my code is wrong.</a:t>
+              <a:t/>
             </a:r>
             <a:endParaRPr>
               <a:solidFill>
@@ -7183,7 +7250,7 @@
       </p:sp>
       <p:pic>
         <p:nvPicPr>
-          <p:cNvPr id="92" name="Google Shape;92;p18"/>
+          <p:cNvPr id="96" name="Google Shape;96;p18"/>
           <p:cNvPicPr preferRelativeResize="0"/>
           <p:nvPr/>
         </p:nvPicPr>
@@ -7197,8 +7264,8 @@
         </p:blipFill>
         <p:spPr>
           <a:xfrm>
-            <a:off x="4616400" y="1017725"/>
-            <a:ext cx="4527599" cy="992103"/>
+            <a:off x="311700" y="1761251"/>
+            <a:ext cx="812775" cy="462175"/>
           </a:xfrm>
           <a:prstGeom prst="rect">
             <a:avLst/>
@@ -7211,7 +7278,7 @@
       </p:pic>
       <p:pic>
         <p:nvPicPr>
-          <p:cNvPr id="93" name="Google Shape;93;p18"/>
+          <p:cNvPr id="97" name="Google Shape;97;p18"/>
           <p:cNvPicPr preferRelativeResize="0"/>
           <p:nvPr/>
         </p:nvPicPr>
@@ -7225,8 +7292,8 @@
         </p:blipFill>
         <p:spPr>
           <a:xfrm>
-            <a:off x="2480123" y="3038300"/>
-            <a:ext cx="6663875" cy="2105200"/>
+            <a:off x="740025" y="2444925"/>
+            <a:ext cx="3143250" cy="1362075"/>
           </a:xfrm>
           <a:prstGeom prst="rect">
             <a:avLst/>
@@ -7250,7 +7317,7 @@
   <p:cSld>
     <p:spTree>
       <p:nvGrpSpPr>
-        <p:cNvPr id="97" name="Shape 97"/>
+        <p:cNvPr id="101" name="Shape 101"/>
         <p:cNvGrpSpPr/>
         <p:nvPr/>
       </p:nvGrpSpPr>
@@ -7264,7 +7331,7 @@
       </p:grpSpPr>
       <p:sp>
         <p:nvSpPr>
-          <p:cNvPr id="98" name="Google Shape;98;p19"/>
+          <p:cNvPr id="102" name="Google Shape;102;p19"/>
           <p:cNvSpPr txBox="1"/>
           <p:nvPr>
             <p:ph type="title"/>
@@ -7314,7 +7381,7 @@
       </p:sp>
       <p:sp>
         <p:nvSpPr>
-          <p:cNvPr id="99" name="Google Shape;99;p19"/>
+          <p:cNvPr id="103" name="Google Shape;103;p19"/>
           <p:cNvSpPr txBox="1"/>
           <p:nvPr>
             <p:ph idx="1" type="body"/>
@@ -7370,7 +7437,7 @@
       </p:sp>
       <p:sp>
         <p:nvSpPr>
-          <p:cNvPr id="100" name="Google Shape;100;p19"/>
+          <p:cNvPr id="104" name="Google Shape;104;p19"/>
           <p:cNvSpPr txBox="1"/>
           <p:nvPr>
             <p:ph idx="2" type="body"/>
@@ -7415,7 +7482,7 @@
                 <a:cs typeface="Times New Roman"/>
                 <a:sym typeface="Times New Roman"/>
               </a:rPr>
-              <a:t>I used AI to generate the peak frequency, frequency derivative, and max strain.</a:t>
+              <a:t>I used AI to generate the code for the peak frequency, and max strain.</a:t>
             </a:r>
             <a:endParaRPr sz="1600">
               <a:solidFill>
@@ -7454,7 +7521,7 @@
       </p:sp>
       <p:sp>
         <p:nvSpPr>
-          <p:cNvPr id="101" name="Google Shape;101;p19"/>
+          <p:cNvPr id="105" name="Google Shape;105;p19"/>
           <p:cNvSpPr txBox="1"/>
           <p:nvPr>
             <p:ph type="title"/>
@@ -7511,6 +7578,285 @@
 </file>
 
 <file path=ppt/theme/theme1.xml><?xml version="1.0" encoding="utf-8"?>
+<a:theme xmlns:a="http://schemas.openxmlformats.org/drawingml/2006/main" xmlns:r="http://schemas.openxmlformats.org/officeDocument/2006/relationships">
+  <a:themeElements>
+    <a:clrScheme name="Default">
+      <a:dk1>
+        <a:srgbClr val="000000"/>
+      </a:dk1>
+      <a:lt1>
+        <a:srgbClr val="FFFFFF"/>
+      </a:lt1>
+      <a:dk2>
+        <a:srgbClr val="158158"/>
+      </a:dk2>
+      <a:lt2>
+        <a:srgbClr val="F3F3F3"/>
+      </a:lt2>
+      <a:accent1>
+        <a:srgbClr val="058DC7"/>
+      </a:accent1>
+      <a:accent2>
+        <a:srgbClr val="50B432"/>
+      </a:accent2>
+      <a:accent3>
+        <a:srgbClr val="ED561B"/>
+      </a:accent3>
+      <a:accent4>
+        <a:srgbClr val="EDEF00"/>
+      </a:accent4>
+      <a:accent5>
+        <a:srgbClr val="24CBE5"/>
+      </a:accent5>
+      <a:accent6>
+        <a:srgbClr val="64E572"/>
+      </a:accent6>
+      <a:hlink>
+        <a:srgbClr val="2200CC"/>
+      </a:hlink>
+      <a:folHlink>
+        <a:srgbClr val="551A8B"/>
+      </a:folHlink>
+    </a:clrScheme>
+    <a:fontScheme name="Office">
+      <a:majorFont>
+        <a:latin typeface="Arial"/>
+        <a:ea typeface=""/>
+        <a:cs typeface=""/>
+        <a:font script="Jpan" typeface="ＭＳ Ｐゴシック"/>
+        <a:font script="Hang" typeface="맑은 고딕"/>
+        <a:font script="Hans" typeface="宋体"/>
+        <a:font script="Hant" typeface="新細明體"/>
+        <a:font script="Arab" typeface="Times New Roman"/>
+        <a:font script="Hebr" typeface="Times New Roman"/>
+        <a:font script="Thai" typeface="Angsana New"/>
+        <a:font script="Ethi" typeface="Nyala"/>
+        <a:font script="Beng" typeface="Vrinda"/>
+        <a:font script="Gujr" typeface="Shruti"/>
+        <a:font script="Khmr" typeface="MoolBoran"/>
+        <a:font script="Knda" typeface="Tunga"/>
+        <a:font script="Guru" typeface="Raavi"/>
+        <a:font script="Cans" typeface="Euphemia"/>
+        <a:font script="Cher" typeface="Plantagenet Cherokee"/>
+        <a:font script="Yiii" typeface="Microsoft Yi Baiti"/>
+        <a:font script="Tibt" typeface="Microsoft Himalaya"/>
+        <a:font script="Thaa" typeface="MV Boli"/>
+        <a:font script="Deva" typeface="Mangal"/>
+        <a:font script="Telu" typeface="Gautami"/>
+        <a:font script="Taml" typeface="Latha"/>
+        <a:font script="Syrc" typeface="Estrangelo Edessa"/>
+        <a:font script="Orya" typeface="Kalinga"/>
+        <a:font script="Mlym" typeface="Kartika"/>
+        <a:font script="Laoo" typeface="DokChampa"/>
+        <a:font script="Sinh" typeface="Iskoola Pota"/>
+        <a:font script="Mong" typeface="Mongolian Baiti"/>
+        <a:font script="Viet" typeface="Times New Roman"/>
+        <a:font script="Uigh" typeface="Microsoft Uighur"/>
+        <a:font script="Geor" typeface="Sylfaen"/>
+      </a:majorFont>
+      <a:minorFont>
+        <a:latin typeface="Arial"/>
+        <a:ea typeface=""/>
+        <a:cs typeface=""/>
+        <a:font script="Jpan" typeface="ＭＳ Ｐゴシック"/>
+        <a:font script="Hang" typeface="맑은 고딕"/>
+        <a:font script="Hans" typeface="宋体"/>
+        <a:font script="Hant" typeface="新細明體"/>
+        <a:font script="Arab" typeface="Arial"/>
+        <a:font script="Hebr" typeface="Arial"/>
+        <a:font script="Thai" typeface="Cordia New"/>
+        <a:font script="Ethi" typeface="Nyala"/>
+        <a:font script="Beng" typeface="Vrinda"/>
+        <a:font script="Gujr" typeface="Shruti"/>
+        <a:font script="Khmr" typeface="DaunPenh"/>
+        <a:font script="Knda" typeface="Tunga"/>
+        <a:font script="Guru" typeface="Raavi"/>
+        <a:font script="Cans" typeface="Euphemia"/>
+        <a:font script="Cher" typeface="Plantagenet Cherokee"/>
+        <a:font script="Yiii" typeface="Microsoft Yi Baiti"/>
+        <a:font script="Tibt" typeface="Microsoft Himalaya"/>
+        <a:font script="Thaa" typeface="MV Boli"/>
+        <a:font script="Deva" typeface="Mangal"/>
+        <a:font script="Telu" typeface="Gautami"/>
+        <a:font script="Taml" typeface="Latha"/>
+        <a:font script="Syrc" typeface="Estrangelo Edessa"/>
+        <a:font script="Orya" typeface="Kalinga"/>
+        <a:font script="Mlym" typeface="Kartika"/>
+        <a:font script="Laoo" typeface="DokChampa"/>
+        <a:font script="Sinh" typeface="Iskoola Pota"/>
+        <a:font script="Mong" typeface="Mongolian Baiti"/>
+        <a:font script="Viet" typeface="Arial"/>
+        <a:font script="Uigh" typeface="Microsoft Uighur"/>
+        <a:font script="Geor" typeface="Sylfaen"/>
+      </a:minorFont>
+    </a:fontScheme>
+    <a:fmtScheme name="Office">
+      <a:fillStyleLst>
+        <a:solidFill>
+          <a:schemeClr val="phClr"/>
+        </a:solidFill>
+        <a:gradFill rotWithShape="1">
+          <a:gsLst>
+            <a:gs pos="0">
+              <a:schemeClr val="phClr">
+                <a:tint val="50000"/>
+                <a:satMod val="300000"/>
+              </a:schemeClr>
+            </a:gs>
+            <a:gs pos="35000">
+              <a:schemeClr val="phClr">
+                <a:tint val="37000"/>
+                <a:satMod val="300000"/>
+              </a:schemeClr>
+            </a:gs>
+            <a:gs pos="100000">
+              <a:schemeClr val="phClr">
+                <a:tint val="15000"/>
+                <a:satMod val="350000"/>
+              </a:schemeClr>
+            </a:gs>
+          </a:gsLst>
+          <a:lin ang="16200000" scaled="1"/>
+        </a:gradFill>
+        <a:gradFill rotWithShape="1">
+          <a:gsLst>
+            <a:gs pos="0">
+              <a:schemeClr val="phClr">
+                <a:tint val="100000"/>
+                <a:shade val="100000"/>
+                <a:satMod val="130000"/>
+              </a:schemeClr>
+            </a:gs>
+            <a:gs pos="100000">
+              <a:schemeClr val="phClr">
+                <a:tint val="50000"/>
+                <a:shade val="100000"/>
+                <a:satMod val="350000"/>
+              </a:schemeClr>
+            </a:gs>
+          </a:gsLst>
+          <a:lin ang="16200000" scaled="0"/>
+        </a:gradFill>
+      </a:fillStyleLst>
+      <a:lnStyleLst>
+        <a:ln w="9525" cap="flat" cmpd="sng" algn="ctr">
+          <a:solidFill>
+            <a:schemeClr val="phClr">
+              <a:shade val="95000"/>
+              <a:satMod val="105000"/>
+            </a:schemeClr>
+          </a:solidFill>
+          <a:prstDash val="solid"/>
+        </a:ln>
+        <a:ln w="25400" cap="flat" cmpd="sng" algn="ctr">
+          <a:solidFill>
+            <a:schemeClr val="phClr"/>
+          </a:solidFill>
+          <a:prstDash val="solid"/>
+        </a:ln>
+        <a:ln w="38100" cap="flat" cmpd="sng" algn="ctr">
+          <a:solidFill>
+            <a:schemeClr val="phClr"/>
+          </a:solidFill>
+          <a:prstDash val="solid"/>
+        </a:ln>
+      </a:lnStyleLst>
+      <a:effectStyleLst>
+        <a:effectStyle>
+          <a:effectLst>
+            <a:outerShdw blurRad="40000" dist="20000" dir="5400000" rotWithShape="0">
+              <a:srgbClr val="000000">
+                <a:alpha val="38000"/>
+              </a:srgbClr>
+            </a:outerShdw>
+          </a:effectLst>
+        </a:effectStyle>
+        <a:effectStyle>
+          <a:effectLst>
+            <a:outerShdw blurRad="40000" dist="23000" dir="5400000" rotWithShape="0">
+              <a:srgbClr val="000000">
+                <a:alpha val="35000"/>
+              </a:srgbClr>
+            </a:outerShdw>
+          </a:effectLst>
+        </a:effectStyle>
+        <a:effectStyle>
+          <a:effectLst>
+            <a:outerShdw blurRad="40000" dist="23000" dir="5400000" rotWithShape="0">
+              <a:srgbClr val="000000">
+                <a:alpha val="35000"/>
+              </a:srgbClr>
+            </a:outerShdw>
+          </a:effectLst>
+          <a:scene3d>
+            <a:camera prst="orthographicFront">
+              <a:rot lat="0" lon="0" rev="0"/>
+            </a:camera>
+            <a:lightRig rig="threePt" dir="t">
+              <a:rot lat="0" lon="0" rev="1200000"/>
+            </a:lightRig>
+          </a:scene3d>
+          <a:sp3d>
+            <a:bevelT w="63500" h="25400"/>
+          </a:sp3d>
+        </a:effectStyle>
+      </a:effectStyleLst>
+      <a:bgFillStyleLst>
+        <a:solidFill>
+          <a:schemeClr val="phClr"/>
+        </a:solidFill>
+        <a:gradFill rotWithShape="1">
+          <a:gsLst>
+            <a:gs pos="0">
+              <a:schemeClr val="phClr">
+                <a:tint val="40000"/>
+                <a:satMod val="350000"/>
+              </a:schemeClr>
+            </a:gs>
+            <a:gs pos="40000">
+              <a:schemeClr val="phClr">
+                <a:tint val="45000"/>
+                <a:shade val="99000"/>
+                <a:satMod val="350000"/>
+              </a:schemeClr>
+            </a:gs>
+            <a:gs pos="100000">
+              <a:schemeClr val="phClr">
+                <a:shade val="20000"/>
+                <a:satMod val="255000"/>
+              </a:schemeClr>
+            </a:gs>
+          </a:gsLst>
+          <a:path path="circle">
+            <a:fillToRect l="50000" t="-80000" r="50000" b="180000"/>
+          </a:path>
+        </a:gradFill>
+        <a:gradFill rotWithShape="1">
+          <a:gsLst>
+            <a:gs pos="0">
+              <a:schemeClr val="phClr">
+                <a:tint val="80000"/>
+                <a:satMod val="300000"/>
+              </a:schemeClr>
+            </a:gs>
+            <a:gs pos="100000">
+              <a:schemeClr val="phClr">
+                <a:shade val="30000"/>
+                <a:satMod val="200000"/>
+              </a:schemeClr>
+            </a:gs>
+          </a:gsLst>
+          <a:path path="circle">
+            <a:fillToRect l="50000" t="50000" r="50000" b="50000"/>
+          </a:path>
+        </a:gradFill>
+      </a:bgFillStyleLst>
+    </a:fmtScheme>
+  </a:themeElements>
+</a:theme>
+</file>
+
+<file path=ppt/theme/theme2.xml><?xml version="1.0" encoding="utf-8"?>
 <a:theme xmlns:a="http://schemas.openxmlformats.org/drawingml/2006/main" xmlns:r="http://schemas.openxmlformats.org/officeDocument/2006/relationships" name="Simple Light">
   <a:themeElements>
     <a:clrScheme name="Simple Light">
@@ -7787,283 +8133,4 @@
     </a:fmtScheme>
   </a:themeElements>
 </a:theme>
-</file>
-
-<file path=ppt/theme/theme2.xml><?xml version="1.0" encoding="utf-8"?>
-<a:theme xmlns:a="http://schemas.openxmlformats.org/drawingml/2006/main" xmlns:r="http://schemas.openxmlformats.org/officeDocument/2006/relationships">
-  <a:themeElements>
-    <a:clrScheme name="Default">
-      <a:dk1>
-        <a:srgbClr val="000000"/>
-      </a:dk1>
-      <a:lt1>
-        <a:srgbClr val="FFFFFF"/>
-      </a:lt1>
-      <a:dk2>
-        <a:srgbClr val="158158"/>
-      </a:dk2>
-      <a:lt2>
-        <a:srgbClr val="F3F3F3"/>
-      </a:lt2>
-      <a:accent1>
-        <a:srgbClr val="058DC7"/>
-      </a:accent1>
-      <a:accent2>
-        <a:srgbClr val="50B432"/>
-      </a:accent2>
-      <a:accent3>
-        <a:srgbClr val="ED561B"/>
-      </a:accent3>
-      <a:accent4>
-        <a:srgbClr val="EDEF00"/>
-      </a:accent4>
-      <a:accent5>
-        <a:srgbClr val="24CBE5"/>
-      </a:accent5>
-      <a:accent6>
-        <a:srgbClr val="64E572"/>
-      </a:accent6>
-      <a:hlink>
-        <a:srgbClr val="2200CC"/>
-      </a:hlink>
-      <a:folHlink>
-        <a:srgbClr val="551A8B"/>
-      </a:folHlink>
-    </a:clrScheme>
-    <a:fontScheme name="Office">
-      <a:majorFont>
-        <a:latin typeface="Arial"/>
-        <a:ea typeface=""/>
-        <a:cs typeface=""/>
-        <a:font script="Jpan" typeface="ＭＳ Ｐゴシック"/>
-        <a:font script="Hang" typeface="맑은 고딕"/>
-        <a:font script="Hans" typeface="宋体"/>
-        <a:font script="Hant" typeface="新細明體"/>
-        <a:font script="Arab" typeface="Times New Roman"/>
-        <a:font script="Hebr" typeface="Times New Roman"/>
-        <a:font script="Thai" typeface="Angsana New"/>
-        <a:font script="Ethi" typeface="Nyala"/>
-        <a:font script="Beng" typeface="Vrinda"/>
-        <a:font script="Gujr" typeface="Shruti"/>
-        <a:font script="Khmr" typeface="MoolBoran"/>
-        <a:font script="Knda" typeface="Tunga"/>
-        <a:font script="Guru" typeface="Raavi"/>
-        <a:font script="Cans" typeface="Euphemia"/>
-        <a:font script="Cher" typeface="Plantagenet Cherokee"/>
-        <a:font script="Yiii" typeface="Microsoft Yi Baiti"/>
-        <a:font script="Tibt" typeface="Microsoft Himalaya"/>
-        <a:font script="Thaa" typeface="MV Boli"/>
-        <a:font script="Deva" typeface="Mangal"/>
-        <a:font script="Telu" typeface="Gautami"/>
-        <a:font script="Taml" typeface="Latha"/>
-        <a:font script="Syrc" typeface="Estrangelo Edessa"/>
-        <a:font script="Orya" typeface="Kalinga"/>
-        <a:font script="Mlym" typeface="Kartika"/>
-        <a:font script="Laoo" typeface="DokChampa"/>
-        <a:font script="Sinh" typeface="Iskoola Pota"/>
-        <a:font script="Mong" typeface="Mongolian Baiti"/>
-        <a:font script="Viet" typeface="Times New Roman"/>
-        <a:font script="Uigh" typeface="Microsoft Uighur"/>
-        <a:font script="Geor" typeface="Sylfaen"/>
-      </a:majorFont>
-      <a:minorFont>
-        <a:latin typeface="Arial"/>
-        <a:ea typeface=""/>
-        <a:cs typeface=""/>
-        <a:font script="Jpan" typeface="ＭＳ Ｐゴシック"/>
-        <a:font script="Hang" typeface="맑은 고딕"/>
-        <a:font script="Hans" typeface="宋体"/>
-        <a:font script="Hant" typeface="新細明體"/>
-        <a:font script="Arab" typeface="Arial"/>
-        <a:font script="Hebr" typeface="Arial"/>
-        <a:font script="Thai" typeface="Cordia New"/>
-        <a:font script="Ethi" typeface="Nyala"/>
-        <a:font script="Beng" typeface="Vrinda"/>
-        <a:font script="Gujr" typeface="Shruti"/>
-        <a:font script="Khmr" typeface="DaunPenh"/>
-        <a:font script="Knda" typeface="Tunga"/>
-        <a:font script="Guru" typeface="Raavi"/>
-        <a:font script="Cans" typeface="Euphemia"/>
-        <a:font script="Cher" typeface="Plantagenet Cherokee"/>
-        <a:font script="Yiii" typeface="Microsoft Yi Baiti"/>
-        <a:font script="Tibt" typeface="Microsoft Himalaya"/>
-        <a:font script="Thaa" typeface="MV Boli"/>
-        <a:font script="Deva" typeface="Mangal"/>
-        <a:font script="Telu" typeface="Gautami"/>
-        <a:font script="Taml" typeface="Latha"/>
-        <a:font script="Syrc" typeface="Estrangelo Edessa"/>
-        <a:font script="Orya" typeface="Kalinga"/>
-        <a:font script="Mlym" typeface="Kartika"/>
-        <a:font script="Laoo" typeface="DokChampa"/>
-        <a:font script="Sinh" typeface="Iskoola Pota"/>
-        <a:font script="Mong" typeface="Mongolian Baiti"/>
-        <a:font script="Viet" typeface="Arial"/>
-        <a:font script="Uigh" typeface="Microsoft Uighur"/>
-        <a:font script="Geor" typeface="Sylfaen"/>
-      </a:minorFont>
-    </a:fontScheme>
-    <a:fmtScheme name="Office">
-      <a:fillStyleLst>
-        <a:solidFill>
-          <a:schemeClr val="phClr"/>
-        </a:solidFill>
-        <a:gradFill rotWithShape="1">
-          <a:gsLst>
-            <a:gs pos="0">
-              <a:schemeClr val="phClr">
-                <a:tint val="50000"/>
-                <a:satMod val="300000"/>
-              </a:schemeClr>
-            </a:gs>
-            <a:gs pos="35000">
-              <a:schemeClr val="phClr">
-                <a:tint val="37000"/>
-                <a:satMod val="300000"/>
-              </a:schemeClr>
-            </a:gs>
-            <a:gs pos="100000">
-              <a:schemeClr val="phClr">
-                <a:tint val="15000"/>
-                <a:satMod val="350000"/>
-              </a:schemeClr>
-            </a:gs>
-          </a:gsLst>
-          <a:lin ang="16200000" scaled="1"/>
-        </a:gradFill>
-        <a:gradFill rotWithShape="1">
-          <a:gsLst>
-            <a:gs pos="0">
-              <a:schemeClr val="phClr">
-                <a:tint val="100000"/>
-                <a:shade val="100000"/>
-                <a:satMod val="130000"/>
-              </a:schemeClr>
-            </a:gs>
-            <a:gs pos="100000">
-              <a:schemeClr val="phClr">
-                <a:tint val="50000"/>
-                <a:shade val="100000"/>
-                <a:satMod val="350000"/>
-              </a:schemeClr>
-            </a:gs>
-          </a:gsLst>
-          <a:lin ang="16200000" scaled="0"/>
-        </a:gradFill>
-      </a:fillStyleLst>
-      <a:lnStyleLst>
-        <a:ln w="9525" cap="flat" cmpd="sng" algn="ctr">
-          <a:solidFill>
-            <a:schemeClr val="phClr">
-              <a:shade val="95000"/>
-              <a:satMod val="105000"/>
-            </a:schemeClr>
-          </a:solidFill>
-          <a:prstDash val="solid"/>
-        </a:ln>
-        <a:ln w="25400" cap="flat" cmpd="sng" algn="ctr">
-          <a:solidFill>
-            <a:schemeClr val="phClr"/>
-          </a:solidFill>
-          <a:prstDash val="solid"/>
-        </a:ln>
-        <a:ln w="38100" cap="flat" cmpd="sng" algn="ctr">
-          <a:solidFill>
-            <a:schemeClr val="phClr"/>
-          </a:solidFill>
-          <a:prstDash val="solid"/>
-        </a:ln>
-      </a:lnStyleLst>
-      <a:effectStyleLst>
-        <a:effectStyle>
-          <a:effectLst>
-            <a:outerShdw blurRad="40000" dist="20000" dir="5400000" rotWithShape="0">
-              <a:srgbClr val="000000">
-                <a:alpha val="38000"/>
-              </a:srgbClr>
-            </a:outerShdw>
-          </a:effectLst>
-        </a:effectStyle>
-        <a:effectStyle>
-          <a:effectLst>
-            <a:outerShdw blurRad="40000" dist="23000" dir="5400000" rotWithShape="0">
-              <a:srgbClr val="000000">
-                <a:alpha val="35000"/>
-              </a:srgbClr>
-            </a:outerShdw>
-          </a:effectLst>
-        </a:effectStyle>
-        <a:effectStyle>
-          <a:effectLst>
-            <a:outerShdw blurRad="40000" dist="23000" dir="5400000" rotWithShape="0">
-              <a:srgbClr val="000000">
-                <a:alpha val="35000"/>
-              </a:srgbClr>
-            </a:outerShdw>
-          </a:effectLst>
-          <a:scene3d>
-            <a:camera prst="orthographicFront">
-              <a:rot lat="0" lon="0" rev="0"/>
-            </a:camera>
-            <a:lightRig rig="threePt" dir="t">
-              <a:rot lat="0" lon="0" rev="1200000"/>
-            </a:lightRig>
-          </a:scene3d>
-          <a:sp3d>
-            <a:bevelT w="63500" h="25400"/>
-          </a:sp3d>
-        </a:effectStyle>
-      </a:effectStyleLst>
-      <a:bgFillStyleLst>
-        <a:solidFill>
-          <a:schemeClr val="phClr"/>
-        </a:solidFill>
-        <a:gradFill rotWithShape="1">
-          <a:gsLst>
-            <a:gs pos="0">
-              <a:schemeClr val="phClr">
-                <a:tint val="40000"/>
-                <a:satMod val="350000"/>
-              </a:schemeClr>
-            </a:gs>
-            <a:gs pos="40000">
-              <a:schemeClr val="phClr">
-                <a:tint val="45000"/>
-                <a:shade val="99000"/>
-                <a:satMod val="350000"/>
-              </a:schemeClr>
-            </a:gs>
-            <a:gs pos="100000">
-              <a:schemeClr val="phClr">
-                <a:shade val="20000"/>
-                <a:satMod val="255000"/>
-              </a:schemeClr>
-            </a:gs>
-          </a:gsLst>
-          <a:path path="circle">
-            <a:fillToRect l="50000" t="-80000" r="50000" b="180000"/>
-          </a:path>
-        </a:gradFill>
-        <a:gradFill rotWithShape="1">
-          <a:gsLst>
-            <a:gs pos="0">
-              <a:schemeClr val="phClr">
-                <a:tint val="80000"/>
-                <a:satMod val="300000"/>
-              </a:schemeClr>
-            </a:gs>
-            <a:gs pos="100000">
-              <a:schemeClr val="phClr">
-                <a:shade val="30000"/>
-                <a:satMod val="200000"/>
-              </a:schemeClr>
-            </a:gs>
-          </a:gsLst>
-          <a:path path="circle">
-            <a:fillToRect l="50000" t="50000" r="50000" b="50000"/>
-          </a:path>
-        </a:gradFill>
-      </a:bgFillStyleLst>
-    </a:fmtScheme>
-  </a:themeElements>
-</a:theme>
 </file>